--- a/Main_Study/Ablauf.pptx
+++ b/Main_Study/Ablauf.pptx
@@ -5,8 +5,7 @@
     <p:sldMasterId id="2147483648" r:id="rId1"/>
   </p:sldMasterIdLst>
   <p:sldIdLst>
-    <p:sldId id="257" r:id="rId2"/>
-    <p:sldId id="258" r:id="rId3"/>
+    <p:sldId id="258" r:id="rId2"/>
   </p:sldIdLst>
   <p:sldSz cx="12192000" cy="6858000"/>
   <p:notesSz cx="6858000" cy="9144000"/>
@@ -260,7 +259,7 @@
           <a:p>
             <a:fld id="{EF59FE75-A2A7-4FDD-89F2-DD3BE8C7BB56}" type="datetimeFigureOut">
               <a:rPr lang="de-DE" smtClean="0"/>
-              <a:t>23.12.2018</a:t>
+              <a:t>27.12.2018</a:t>
             </a:fld>
             <a:endParaRPr lang="de-DE"/>
           </a:p>
@@ -458,7 +457,7 @@
           <a:p>
             <a:fld id="{EF59FE75-A2A7-4FDD-89F2-DD3BE8C7BB56}" type="datetimeFigureOut">
               <a:rPr lang="de-DE" smtClean="0"/>
-              <a:t>23.12.2018</a:t>
+              <a:t>27.12.2018</a:t>
             </a:fld>
             <a:endParaRPr lang="de-DE"/>
           </a:p>
@@ -666,7 +665,7 @@
           <a:p>
             <a:fld id="{EF59FE75-A2A7-4FDD-89F2-DD3BE8C7BB56}" type="datetimeFigureOut">
               <a:rPr lang="de-DE" smtClean="0"/>
-              <a:t>23.12.2018</a:t>
+              <a:t>27.12.2018</a:t>
             </a:fld>
             <a:endParaRPr lang="de-DE"/>
           </a:p>
@@ -864,7 +863,7 @@
           <a:p>
             <a:fld id="{EF59FE75-A2A7-4FDD-89F2-DD3BE8C7BB56}" type="datetimeFigureOut">
               <a:rPr lang="de-DE" smtClean="0"/>
-              <a:t>23.12.2018</a:t>
+              <a:t>27.12.2018</a:t>
             </a:fld>
             <a:endParaRPr lang="de-DE"/>
           </a:p>
@@ -1139,7 +1138,7 @@
           <a:p>
             <a:fld id="{EF59FE75-A2A7-4FDD-89F2-DD3BE8C7BB56}" type="datetimeFigureOut">
               <a:rPr lang="de-DE" smtClean="0"/>
-              <a:t>23.12.2018</a:t>
+              <a:t>27.12.2018</a:t>
             </a:fld>
             <a:endParaRPr lang="de-DE"/>
           </a:p>
@@ -1404,7 +1403,7 @@
           <a:p>
             <a:fld id="{EF59FE75-A2A7-4FDD-89F2-DD3BE8C7BB56}" type="datetimeFigureOut">
               <a:rPr lang="de-DE" smtClean="0"/>
-              <a:t>23.12.2018</a:t>
+              <a:t>27.12.2018</a:t>
             </a:fld>
             <a:endParaRPr lang="de-DE"/>
           </a:p>
@@ -1816,7 +1815,7 @@
           <a:p>
             <a:fld id="{EF59FE75-A2A7-4FDD-89F2-DD3BE8C7BB56}" type="datetimeFigureOut">
               <a:rPr lang="de-DE" smtClean="0"/>
-              <a:t>23.12.2018</a:t>
+              <a:t>27.12.2018</a:t>
             </a:fld>
             <a:endParaRPr lang="de-DE"/>
           </a:p>
@@ -1957,7 +1956,7 @@
           <a:p>
             <a:fld id="{EF59FE75-A2A7-4FDD-89F2-DD3BE8C7BB56}" type="datetimeFigureOut">
               <a:rPr lang="de-DE" smtClean="0"/>
-              <a:t>23.12.2018</a:t>
+              <a:t>27.12.2018</a:t>
             </a:fld>
             <a:endParaRPr lang="de-DE"/>
           </a:p>
@@ -2070,7 +2069,7 @@
           <a:p>
             <a:fld id="{EF59FE75-A2A7-4FDD-89F2-DD3BE8C7BB56}" type="datetimeFigureOut">
               <a:rPr lang="de-DE" smtClean="0"/>
-              <a:t>23.12.2018</a:t>
+              <a:t>27.12.2018</a:t>
             </a:fld>
             <a:endParaRPr lang="de-DE"/>
           </a:p>
@@ -2381,7 +2380,7 @@
           <a:p>
             <a:fld id="{EF59FE75-A2A7-4FDD-89F2-DD3BE8C7BB56}" type="datetimeFigureOut">
               <a:rPr lang="de-DE" smtClean="0"/>
-              <a:t>23.12.2018</a:t>
+              <a:t>27.12.2018</a:t>
             </a:fld>
             <a:endParaRPr lang="de-DE"/>
           </a:p>
@@ -2669,7 +2668,7 @@
           <a:p>
             <a:fld id="{EF59FE75-A2A7-4FDD-89F2-DD3BE8C7BB56}" type="datetimeFigureOut">
               <a:rPr lang="de-DE" smtClean="0"/>
-              <a:t>23.12.2018</a:t>
+              <a:t>27.12.2018</a:t>
             </a:fld>
             <a:endParaRPr lang="de-DE"/>
           </a:p>
@@ -2910,7 +2909,7 @@
           <a:p>
             <a:fld id="{EF59FE75-A2A7-4FDD-89F2-DD3BE8C7BB56}" type="datetimeFigureOut">
               <a:rPr lang="de-DE" smtClean="0"/>
-              <a:t>23.12.2018</a:t>
+              <a:t>27.12.2018</a:t>
             </a:fld>
             <a:endParaRPr lang="de-DE"/>
           </a:p>
@@ -3332,2671 +3331,6 @@
           <p:cNvPr id="4" name="Rechteck 3">
             <a:extLst>
               <a:ext uri="{FF2B5EF4-FFF2-40B4-BE49-F238E27FC236}">
-                <a16:creationId xmlns:a16="http://schemas.microsoft.com/office/drawing/2014/main" id="{160C2F42-F31F-4230-90E4-055D8C3DBC51}"/>
-              </a:ext>
-            </a:extLst>
-          </p:cNvPr>
-          <p:cNvSpPr/>
-          <p:nvPr/>
-        </p:nvSpPr>
-        <p:spPr>
-          <a:xfrm>
-            <a:off x="5068478" y="833130"/>
-            <a:ext cx="2055044" cy="712442"/>
-          </a:xfrm>
-          <a:prstGeom prst="rect">
-            <a:avLst/>
-          </a:prstGeom>
-          <a:solidFill>
-            <a:schemeClr val="bg1"/>
-          </a:solidFill>
-          <a:ln w="12700">
-            <a:solidFill>
-              <a:schemeClr val="tx1"/>
-            </a:solidFill>
-          </a:ln>
-        </p:spPr>
-        <p:style>
-          <a:lnRef idx="2">
-            <a:schemeClr val="accent6"/>
-          </a:lnRef>
-          <a:fillRef idx="1">
-            <a:schemeClr val="lt1"/>
-          </a:fillRef>
-          <a:effectRef idx="0">
-            <a:schemeClr val="accent6"/>
-          </a:effectRef>
-          <a:fontRef idx="minor">
-            <a:schemeClr val="dk1"/>
-          </a:fontRef>
-        </p:style>
-        <p:txBody>
-          <a:bodyPr rtlCol="0" anchor="ctr"/>
-          <a:lstStyle>
-            <a:defPPr>
-              <a:defRPr lang="en-GB"/>
-            </a:defPPr>
-            <a:lvl1pPr algn="l" defTabSz="449263" rtl="0" eaLnBrk="0" fontAlgn="base" hangingPunct="0">
-              <a:spcBef>
-                <a:spcPct val="0"/>
-              </a:spcBef>
-              <a:spcAft>
-                <a:spcPct val="0"/>
-              </a:spcAft>
-              <a:defRPr kern="1200">
-                <a:solidFill>
-                  <a:schemeClr val="dk1"/>
-                </a:solidFill>
-                <a:latin typeface="+mn-lt"/>
-                <a:ea typeface="+mn-ea"/>
-                <a:cs typeface="+mn-cs"/>
-              </a:defRPr>
-            </a:lvl1pPr>
-            <a:lvl2pPr marL="742950" indent="-285750" algn="l" defTabSz="449263" rtl="0" eaLnBrk="0" fontAlgn="base" hangingPunct="0">
-              <a:spcBef>
-                <a:spcPct val="0"/>
-              </a:spcBef>
-              <a:spcAft>
-                <a:spcPct val="0"/>
-              </a:spcAft>
-              <a:defRPr kern="1200">
-                <a:solidFill>
-                  <a:schemeClr val="dk1"/>
-                </a:solidFill>
-                <a:latin typeface="+mn-lt"/>
-                <a:ea typeface="+mn-ea"/>
-                <a:cs typeface="+mn-cs"/>
-              </a:defRPr>
-            </a:lvl2pPr>
-            <a:lvl3pPr marL="1143000" indent="-228600" algn="l" defTabSz="449263" rtl="0" eaLnBrk="0" fontAlgn="base" hangingPunct="0">
-              <a:spcBef>
-                <a:spcPct val="0"/>
-              </a:spcBef>
-              <a:spcAft>
-                <a:spcPct val="0"/>
-              </a:spcAft>
-              <a:defRPr kern="1200">
-                <a:solidFill>
-                  <a:schemeClr val="dk1"/>
-                </a:solidFill>
-                <a:latin typeface="+mn-lt"/>
-                <a:ea typeface="+mn-ea"/>
-                <a:cs typeface="+mn-cs"/>
-              </a:defRPr>
-            </a:lvl3pPr>
-            <a:lvl4pPr marL="1600200" indent="-228600" algn="l" defTabSz="449263" rtl="0" eaLnBrk="0" fontAlgn="base" hangingPunct="0">
-              <a:spcBef>
-                <a:spcPct val="0"/>
-              </a:spcBef>
-              <a:spcAft>
-                <a:spcPct val="0"/>
-              </a:spcAft>
-              <a:defRPr kern="1200">
-                <a:solidFill>
-                  <a:schemeClr val="dk1"/>
-                </a:solidFill>
-                <a:latin typeface="+mn-lt"/>
-                <a:ea typeface="+mn-ea"/>
-                <a:cs typeface="+mn-cs"/>
-              </a:defRPr>
-            </a:lvl4pPr>
-            <a:lvl5pPr marL="2057400" indent="-228600" algn="l" defTabSz="449263" rtl="0" eaLnBrk="0" fontAlgn="base" hangingPunct="0">
-              <a:spcBef>
-                <a:spcPct val="0"/>
-              </a:spcBef>
-              <a:spcAft>
-                <a:spcPct val="0"/>
-              </a:spcAft>
-              <a:defRPr kern="1200">
-                <a:solidFill>
-                  <a:schemeClr val="dk1"/>
-                </a:solidFill>
-                <a:latin typeface="+mn-lt"/>
-                <a:ea typeface="+mn-ea"/>
-                <a:cs typeface="+mn-cs"/>
-              </a:defRPr>
-            </a:lvl5pPr>
-            <a:lvl6pPr marL="2286000" algn="l" defTabSz="914400" rtl="0" eaLnBrk="1" latinLnBrk="0" hangingPunct="1">
-              <a:defRPr kern="1200">
-                <a:solidFill>
-                  <a:schemeClr val="dk1"/>
-                </a:solidFill>
-                <a:latin typeface="+mn-lt"/>
-                <a:ea typeface="+mn-ea"/>
-                <a:cs typeface="+mn-cs"/>
-              </a:defRPr>
-            </a:lvl6pPr>
-            <a:lvl7pPr marL="2743200" algn="l" defTabSz="914400" rtl="0" eaLnBrk="1" latinLnBrk="0" hangingPunct="1">
-              <a:defRPr kern="1200">
-                <a:solidFill>
-                  <a:schemeClr val="dk1"/>
-                </a:solidFill>
-                <a:latin typeface="+mn-lt"/>
-                <a:ea typeface="+mn-ea"/>
-                <a:cs typeface="+mn-cs"/>
-              </a:defRPr>
-            </a:lvl7pPr>
-            <a:lvl8pPr marL="3200400" algn="l" defTabSz="914400" rtl="0" eaLnBrk="1" latinLnBrk="0" hangingPunct="1">
-              <a:defRPr kern="1200">
-                <a:solidFill>
-                  <a:schemeClr val="dk1"/>
-                </a:solidFill>
-                <a:latin typeface="+mn-lt"/>
-                <a:ea typeface="+mn-ea"/>
-                <a:cs typeface="+mn-cs"/>
-              </a:defRPr>
-            </a:lvl8pPr>
-            <a:lvl9pPr marL="3657600" algn="l" defTabSz="914400" rtl="0" eaLnBrk="1" latinLnBrk="0" hangingPunct="1">
-              <a:defRPr kern="1200">
-                <a:solidFill>
-                  <a:schemeClr val="dk1"/>
-                </a:solidFill>
-                <a:latin typeface="+mn-lt"/>
-                <a:ea typeface="+mn-ea"/>
-                <a:cs typeface="+mn-cs"/>
-              </a:defRPr>
-            </a:lvl9pPr>
-          </a:lstStyle>
-          <a:p>
-            <a:pPr algn="ctr"/>
-            <a:r>
-              <a:rPr lang="en-US" dirty="0">
-                <a:latin typeface="CMU Sans Serif" panose="02000603000000000000" pitchFamily="2" charset="0"/>
-                <a:ea typeface="CMU Sans Serif" panose="02000603000000000000" pitchFamily="2" charset="0"/>
-                <a:cs typeface="CMU Sans Serif" panose="02000603000000000000" pitchFamily="2" charset="0"/>
-              </a:rPr>
-              <a:t>Training phase</a:t>
-            </a:r>
-            <a:endParaRPr lang="de-DE" dirty="0">
-              <a:latin typeface="CMU Sans Serif" panose="02000603000000000000" pitchFamily="2" charset="0"/>
-              <a:ea typeface="CMU Sans Serif" panose="02000603000000000000" pitchFamily="2" charset="0"/>
-              <a:cs typeface="CMU Sans Serif" panose="02000603000000000000" pitchFamily="2" charset="0"/>
-            </a:endParaRPr>
-          </a:p>
-        </p:txBody>
-      </p:sp>
-      <p:sp>
-        <p:nvSpPr>
-          <p:cNvPr id="5" name="Rechteck 4">
-            <a:extLst>
-              <a:ext uri="{FF2B5EF4-FFF2-40B4-BE49-F238E27FC236}">
-                <a16:creationId xmlns:a16="http://schemas.microsoft.com/office/drawing/2014/main" id="{7F767AD9-187E-41A4-8124-3212015B8B9E}"/>
-              </a:ext>
-            </a:extLst>
-          </p:cNvPr>
-          <p:cNvSpPr/>
-          <p:nvPr/>
-        </p:nvSpPr>
-        <p:spPr>
-          <a:xfrm>
-            <a:off x="4044000" y="2415357"/>
-            <a:ext cx="4104000" cy="2146145"/>
-          </a:xfrm>
-          <a:prstGeom prst="rect">
-            <a:avLst/>
-          </a:prstGeom>
-          <a:ln w="12700">
-            <a:solidFill>
-              <a:schemeClr val="tx1"/>
-            </a:solidFill>
-          </a:ln>
-        </p:spPr>
-        <p:style>
-          <a:lnRef idx="2">
-            <a:schemeClr val="accent6"/>
-          </a:lnRef>
-          <a:fillRef idx="1">
-            <a:schemeClr val="lt1"/>
-          </a:fillRef>
-          <a:effectRef idx="0">
-            <a:schemeClr val="accent6"/>
-          </a:effectRef>
-          <a:fontRef idx="minor">
-            <a:schemeClr val="dk1"/>
-          </a:fontRef>
-        </p:style>
-        <p:txBody>
-          <a:bodyPr rtlCol="0" anchor="ctr"/>
-          <a:lstStyle>
-            <a:defPPr>
-              <a:defRPr lang="en-GB"/>
-            </a:defPPr>
-            <a:lvl1pPr algn="l" defTabSz="449263" rtl="0" eaLnBrk="0" fontAlgn="base" hangingPunct="0">
-              <a:spcBef>
-                <a:spcPct val="0"/>
-              </a:spcBef>
-              <a:spcAft>
-                <a:spcPct val="0"/>
-              </a:spcAft>
-              <a:defRPr kern="1200">
-                <a:solidFill>
-                  <a:schemeClr val="dk1"/>
-                </a:solidFill>
-                <a:latin typeface="+mn-lt"/>
-                <a:ea typeface="+mn-ea"/>
-                <a:cs typeface="+mn-cs"/>
-              </a:defRPr>
-            </a:lvl1pPr>
-            <a:lvl2pPr marL="742950" indent="-285750" algn="l" defTabSz="449263" rtl="0" eaLnBrk="0" fontAlgn="base" hangingPunct="0">
-              <a:spcBef>
-                <a:spcPct val="0"/>
-              </a:spcBef>
-              <a:spcAft>
-                <a:spcPct val="0"/>
-              </a:spcAft>
-              <a:defRPr kern="1200">
-                <a:solidFill>
-                  <a:schemeClr val="dk1"/>
-                </a:solidFill>
-                <a:latin typeface="+mn-lt"/>
-                <a:ea typeface="+mn-ea"/>
-                <a:cs typeface="+mn-cs"/>
-              </a:defRPr>
-            </a:lvl2pPr>
-            <a:lvl3pPr marL="1143000" indent="-228600" algn="l" defTabSz="449263" rtl="0" eaLnBrk="0" fontAlgn="base" hangingPunct="0">
-              <a:spcBef>
-                <a:spcPct val="0"/>
-              </a:spcBef>
-              <a:spcAft>
-                <a:spcPct val="0"/>
-              </a:spcAft>
-              <a:defRPr kern="1200">
-                <a:solidFill>
-                  <a:schemeClr val="dk1"/>
-                </a:solidFill>
-                <a:latin typeface="+mn-lt"/>
-                <a:ea typeface="+mn-ea"/>
-                <a:cs typeface="+mn-cs"/>
-              </a:defRPr>
-            </a:lvl3pPr>
-            <a:lvl4pPr marL="1600200" indent="-228600" algn="l" defTabSz="449263" rtl="0" eaLnBrk="0" fontAlgn="base" hangingPunct="0">
-              <a:spcBef>
-                <a:spcPct val="0"/>
-              </a:spcBef>
-              <a:spcAft>
-                <a:spcPct val="0"/>
-              </a:spcAft>
-              <a:defRPr kern="1200">
-                <a:solidFill>
-                  <a:schemeClr val="dk1"/>
-                </a:solidFill>
-                <a:latin typeface="+mn-lt"/>
-                <a:ea typeface="+mn-ea"/>
-                <a:cs typeface="+mn-cs"/>
-              </a:defRPr>
-            </a:lvl4pPr>
-            <a:lvl5pPr marL="2057400" indent="-228600" algn="l" defTabSz="449263" rtl="0" eaLnBrk="0" fontAlgn="base" hangingPunct="0">
-              <a:spcBef>
-                <a:spcPct val="0"/>
-              </a:spcBef>
-              <a:spcAft>
-                <a:spcPct val="0"/>
-              </a:spcAft>
-              <a:defRPr kern="1200">
-                <a:solidFill>
-                  <a:schemeClr val="dk1"/>
-                </a:solidFill>
-                <a:latin typeface="+mn-lt"/>
-                <a:ea typeface="+mn-ea"/>
-                <a:cs typeface="+mn-cs"/>
-              </a:defRPr>
-            </a:lvl5pPr>
-            <a:lvl6pPr marL="2286000" algn="l" defTabSz="914400" rtl="0" eaLnBrk="1" latinLnBrk="0" hangingPunct="1">
-              <a:defRPr kern="1200">
-                <a:solidFill>
-                  <a:schemeClr val="dk1"/>
-                </a:solidFill>
-                <a:latin typeface="+mn-lt"/>
-                <a:ea typeface="+mn-ea"/>
-                <a:cs typeface="+mn-cs"/>
-              </a:defRPr>
-            </a:lvl6pPr>
-            <a:lvl7pPr marL="2743200" algn="l" defTabSz="914400" rtl="0" eaLnBrk="1" latinLnBrk="0" hangingPunct="1">
-              <a:defRPr kern="1200">
-                <a:solidFill>
-                  <a:schemeClr val="dk1"/>
-                </a:solidFill>
-                <a:latin typeface="+mn-lt"/>
-                <a:ea typeface="+mn-ea"/>
-                <a:cs typeface="+mn-cs"/>
-              </a:defRPr>
-            </a:lvl7pPr>
-            <a:lvl8pPr marL="3200400" algn="l" defTabSz="914400" rtl="0" eaLnBrk="1" latinLnBrk="0" hangingPunct="1">
-              <a:defRPr kern="1200">
-                <a:solidFill>
-                  <a:schemeClr val="dk1"/>
-                </a:solidFill>
-                <a:latin typeface="+mn-lt"/>
-                <a:ea typeface="+mn-ea"/>
-                <a:cs typeface="+mn-cs"/>
-              </a:defRPr>
-            </a:lvl8pPr>
-            <a:lvl9pPr marL="3657600" algn="l" defTabSz="914400" rtl="0" eaLnBrk="1" latinLnBrk="0" hangingPunct="1">
-              <a:defRPr kern="1200">
-                <a:solidFill>
-                  <a:schemeClr val="dk1"/>
-                </a:solidFill>
-                <a:latin typeface="+mn-lt"/>
-                <a:ea typeface="+mn-ea"/>
-                <a:cs typeface="+mn-cs"/>
-              </a:defRPr>
-            </a:lvl9pPr>
-          </a:lstStyle>
-          <a:p>
-            <a:pPr algn="ctr"/>
-            <a:endParaRPr lang="de-DE">
-              <a:latin typeface="CMU Sans Serif" panose="02000603000000000000" pitchFamily="2" charset="0"/>
-              <a:ea typeface="CMU Sans Serif" panose="02000603000000000000" pitchFamily="2" charset="0"/>
-              <a:cs typeface="CMU Sans Serif" panose="02000603000000000000" pitchFamily="2" charset="0"/>
-            </a:endParaRPr>
-          </a:p>
-        </p:txBody>
-      </p:sp>
-      <p:cxnSp>
-        <p:nvCxnSpPr>
-          <p:cNvPr id="6" name="Gerader Verbinder 5">
-            <a:extLst>
-              <a:ext uri="{FF2B5EF4-FFF2-40B4-BE49-F238E27FC236}">
-                <a16:creationId xmlns:a16="http://schemas.microsoft.com/office/drawing/2014/main" id="{C5B82295-D5DD-4BB4-9E13-2EA2398F6A50}"/>
-              </a:ext>
-            </a:extLst>
-          </p:cNvPr>
-          <p:cNvCxnSpPr>
-            <a:cxnSpLocks/>
-            <a:stCxn id="4" idx="2"/>
-          </p:cNvCxnSpPr>
-          <p:nvPr/>
-        </p:nvCxnSpPr>
-        <p:spPr>
-          <a:xfrm>
-            <a:off x="6096000" y="1545572"/>
-            <a:ext cx="0" cy="351428"/>
-          </a:xfrm>
-          <a:prstGeom prst="line">
-            <a:avLst/>
-          </a:prstGeom>
-          <a:ln w="19050"/>
-        </p:spPr>
-        <p:style>
-          <a:lnRef idx="1">
-            <a:schemeClr val="dk1"/>
-          </a:lnRef>
-          <a:fillRef idx="0">
-            <a:schemeClr val="dk1"/>
-          </a:fillRef>
-          <a:effectRef idx="0">
-            <a:schemeClr val="dk1"/>
-          </a:effectRef>
-          <a:fontRef idx="minor">
-            <a:schemeClr val="tx1"/>
-          </a:fontRef>
-        </p:style>
-      </p:cxnSp>
-      <p:cxnSp>
-        <p:nvCxnSpPr>
-          <p:cNvPr id="7" name="Gerader Verbinder 6">
-            <a:extLst>
-              <a:ext uri="{FF2B5EF4-FFF2-40B4-BE49-F238E27FC236}">
-                <a16:creationId xmlns:a16="http://schemas.microsoft.com/office/drawing/2014/main" id="{6E7A383F-F06E-4EF4-9649-3469F12C426C}"/>
-              </a:ext>
-            </a:extLst>
-          </p:cNvPr>
-          <p:cNvCxnSpPr>
-            <a:cxnSpLocks/>
-          </p:cNvCxnSpPr>
-          <p:nvPr/>
-        </p:nvCxnSpPr>
-        <p:spPr>
-          <a:xfrm flipH="1">
-            <a:off x="6096000" y="1898000"/>
-            <a:ext cx="1027522" cy="0"/>
-          </a:xfrm>
-          <a:prstGeom prst="line">
-            <a:avLst/>
-          </a:prstGeom>
-          <a:ln w="19050"/>
-        </p:spPr>
-        <p:style>
-          <a:lnRef idx="1">
-            <a:schemeClr val="dk1"/>
-          </a:lnRef>
-          <a:fillRef idx="0">
-            <a:schemeClr val="dk1"/>
-          </a:fillRef>
-          <a:effectRef idx="0">
-            <a:schemeClr val="dk1"/>
-          </a:effectRef>
-          <a:fontRef idx="minor">
-            <a:schemeClr val="tx1"/>
-          </a:fontRef>
-        </p:style>
-      </p:cxnSp>
-      <p:cxnSp>
-        <p:nvCxnSpPr>
-          <p:cNvPr id="8" name="Gerader Verbinder 7">
-            <a:extLst>
-              <a:ext uri="{FF2B5EF4-FFF2-40B4-BE49-F238E27FC236}">
-                <a16:creationId xmlns:a16="http://schemas.microsoft.com/office/drawing/2014/main" id="{552108C7-E4E4-4CAB-8187-63B4A0349BAC}"/>
-              </a:ext>
-            </a:extLst>
-          </p:cNvPr>
-          <p:cNvCxnSpPr>
-            <a:cxnSpLocks/>
-          </p:cNvCxnSpPr>
-          <p:nvPr/>
-        </p:nvCxnSpPr>
-        <p:spPr>
-          <a:xfrm flipH="1">
-            <a:off x="5068478" y="1897000"/>
-            <a:ext cx="1027522" cy="0"/>
-          </a:xfrm>
-          <a:prstGeom prst="line">
-            <a:avLst/>
-          </a:prstGeom>
-          <a:ln w="19050"/>
-        </p:spPr>
-        <p:style>
-          <a:lnRef idx="1">
-            <a:schemeClr val="dk1"/>
-          </a:lnRef>
-          <a:fillRef idx="0">
-            <a:schemeClr val="dk1"/>
-          </a:fillRef>
-          <a:effectRef idx="0">
-            <a:schemeClr val="dk1"/>
-          </a:effectRef>
-          <a:fontRef idx="minor">
-            <a:schemeClr val="tx1"/>
-          </a:fontRef>
-        </p:style>
-      </p:cxnSp>
-      <p:cxnSp>
-        <p:nvCxnSpPr>
-          <p:cNvPr id="9" name="Gerade Verbindung mit Pfeil 8">
-            <a:extLst>
-              <a:ext uri="{FF2B5EF4-FFF2-40B4-BE49-F238E27FC236}">
-                <a16:creationId xmlns:a16="http://schemas.microsoft.com/office/drawing/2014/main" id="{DA8E5100-7173-41DF-B2AA-0602AC097FA6}"/>
-              </a:ext>
-            </a:extLst>
-          </p:cNvPr>
-          <p:cNvCxnSpPr/>
-          <p:nvPr/>
-        </p:nvCxnSpPr>
-        <p:spPr>
-          <a:xfrm>
-            <a:off x="5068478" y="1897000"/>
-            <a:ext cx="0" cy="514962"/>
-          </a:xfrm>
-          <a:prstGeom prst="straightConnector1">
-            <a:avLst/>
-          </a:prstGeom>
-          <a:ln w="28575">
-            <a:tailEnd type="triangle"/>
-          </a:ln>
-        </p:spPr>
-        <p:style>
-          <a:lnRef idx="1">
-            <a:schemeClr val="dk1"/>
-          </a:lnRef>
-          <a:fillRef idx="0">
-            <a:schemeClr val="dk1"/>
-          </a:fillRef>
-          <a:effectRef idx="0">
-            <a:schemeClr val="dk1"/>
-          </a:effectRef>
-          <a:fontRef idx="minor">
-            <a:schemeClr val="tx1"/>
-          </a:fontRef>
-        </p:style>
-      </p:cxnSp>
-      <p:cxnSp>
-        <p:nvCxnSpPr>
-          <p:cNvPr id="10" name="Gerade Verbindung mit Pfeil 9">
-            <a:extLst>
-              <a:ext uri="{FF2B5EF4-FFF2-40B4-BE49-F238E27FC236}">
-                <a16:creationId xmlns:a16="http://schemas.microsoft.com/office/drawing/2014/main" id="{ED46B0DD-1BD1-4F4B-8AF5-0C26D536424C}"/>
-              </a:ext>
-            </a:extLst>
-          </p:cNvPr>
-          <p:cNvCxnSpPr/>
-          <p:nvPr/>
-        </p:nvCxnSpPr>
-        <p:spPr>
-          <a:xfrm>
-            <a:off x="7123522" y="1897000"/>
-            <a:ext cx="0" cy="514962"/>
-          </a:xfrm>
-          <a:prstGeom prst="straightConnector1">
-            <a:avLst/>
-          </a:prstGeom>
-          <a:ln w="28575">
-            <a:tailEnd type="triangle"/>
-          </a:ln>
-        </p:spPr>
-        <p:style>
-          <a:lnRef idx="1">
-            <a:schemeClr val="dk1"/>
-          </a:lnRef>
-          <a:fillRef idx="0">
-            <a:schemeClr val="dk1"/>
-          </a:fillRef>
-          <a:effectRef idx="0">
-            <a:schemeClr val="dk1"/>
-          </a:effectRef>
-          <a:fontRef idx="minor">
-            <a:schemeClr val="tx1"/>
-          </a:fontRef>
-        </p:style>
-      </p:cxnSp>
-      <p:cxnSp>
-        <p:nvCxnSpPr>
-          <p:cNvPr id="11" name="Gerader Verbinder 10">
-            <a:extLst>
-              <a:ext uri="{FF2B5EF4-FFF2-40B4-BE49-F238E27FC236}">
-                <a16:creationId xmlns:a16="http://schemas.microsoft.com/office/drawing/2014/main" id="{34857D5F-E237-48AB-A976-39F6C77E5EF0}"/>
-              </a:ext>
-            </a:extLst>
-          </p:cNvPr>
-          <p:cNvCxnSpPr>
-            <a:cxnSpLocks/>
-            <a:endCxn id="5" idx="2"/>
-          </p:cNvCxnSpPr>
-          <p:nvPr/>
-        </p:nvCxnSpPr>
-        <p:spPr>
-          <a:xfrm>
-            <a:off x="6095999" y="2827766"/>
-            <a:ext cx="1" cy="1733736"/>
-          </a:xfrm>
-          <a:prstGeom prst="line">
-            <a:avLst/>
-          </a:prstGeom>
-          <a:ln/>
-        </p:spPr>
-        <p:style>
-          <a:lnRef idx="1">
-            <a:schemeClr val="dk1"/>
-          </a:lnRef>
-          <a:fillRef idx="0">
-            <a:schemeClr val="dk1"/>
-          </a:fillRef>
-          <a:effectRef idx="0">
-            <a:schemeClr val="dk1"/>
-          </a:effectRef>
-          <a:fontRef idx="minor">
-            <a:schemeClr val="tx1"/>
-          </a:fontRef>
-        </p:style>
-      </p:cxnSp>
-      <p:sp>
-        <p:nvSpPr>
-          <p:cNvPr id="12" name="Rechteck 11">
-            <a:extLst>
-              <a:ext uri="{FF2B5EF4-FFF2-40B4-BE49-F238E27FC236}">
-                <a16:creationId xmlns:a16="http://schemas.microsoft.com/office/drawing/2014/main" id="{D4CF006F-D09E-4FF2-AA97-9F8685FA2501}"/>
-              </a:ext>
-            </a:extLst>
-          </p:cNvPr>
-          <p:cNvSpPr/>
-          <p:nvPr/>
-        </p:nvSpPr>
-        <p:spPr>
-          <a:xfrm>
-            <a:off x="4454017" y="2985190"/>
-            <a:ext cx="1241598" cy="514963"/>
-          </a:xfrm>
-          <a:prstGeom prst="rect">
-            <a:avLst/>
-          </a:prstGeom>
-          <a:solidFill>
-            <a:schemeClr val="bg1"/>
-          </a:solidFill>
-          <a:ln w="12700">
-            <a:solidFill>
-              <a:schemeClr val="tx1"/>
-            </a:solidFill>
-          </a:ln>
-        </p:spPr>
-        <p:style>
-          <a:lnRef idx="2">
-            <a:schemeClr val="accent6"/>
-          </a:lnRef>
-          <a:fillRef idx="1">
-            <a:schemeClr val="lt1"/>
-          </a:fillRef>
-          <a:effectRef idx="0">
-            <a:schemeClr val="accent6"/>
-          </a:effectRef>
-          <a:fontRef idx="minor">
-            <a:schemeClr val="dk1"/>
-          </a:fontRef>
-        </p:style>
-        <p:txBody>
-          <a:bodyPr rtlCol="0" anchor="ctr"/>
-          <a:lstStyle>
-            <a:defPPr>
-              <a:defRPr lang="en-GB"/>
-            </a:defPPr>
-            <a:lvl1pPr algn="l" defTabSz="449263" rtl="0" eaLnBrk="0" fontAlgn="base" hangingPunct="0">
-              <a:spcBef>
-                <a:spcPct val="0"/>
-              </a:spcBef>
-              <a:spcAft>
-                <a:spcPct val="0"/>
-              </a:spcAft>
-              <a:defRPr kern="1200">
-                <a:solidFill>
-                  <a:schemeClr val="dk1"/>
-                </a:solidFill>
-                <a:latin typeface="+mn-lt"/>
-                <a:ea typeface="+mn-ea"/>
-                <a:cs typeface="+mn-cs"/>
-              </a:defRPr>
-            </a:lvl1pPr>
-            <a:lvl2pPr marL="742950" indent="-285750" algn="l" defTabSz="449263" rtl="0" eaLnBrk="0" fontAlgn="base" hangingPunct="0">
-              <a:spcBef>
-                <a:spcPct val="0"/>
-              </a:spcBef>
-              <a:spcAft>
-                <a:spcPct val="0"/>
-              </a:spcAft>
-              <a:defRPr kern="1200">
-                <a:solidFill>
-                  <a:schemeClr val="dk1"/>
-                </a:solidFill>
-                <a:latin typeface="+mn-lt"/>
-                <a:ea typeface="+mn-ea"/>
-                <a:cs typeface="+mn-cs"/>
-              </a:defRPr>
-            </a:lvl2pPr>
-            <a:lvl3pPr marL="1143000" indent="-228600" algn="l" defTabSz="449263" rtl="0" eaLnBrk="0" fontAlgn="base" hangingPunct="0">
-              <a:spcBef>
-                <a:spcPct val="0"/>
-              </a:spcBef>
-              <a:spcAft>
-                <a:spcPct val="0"/>
-              </a:spcAft>
-              <a:defRPr kern="1200">
-                <a:solidFill>
-                  <a:schemeClr val="dk1"/>
-                </a:solidFill>
-                <a:latin typeface="+mn-lt"/>
-                <a:ea typeface="+mn-ea"/>
-                <a:cs typeface="+mn-cs"/>
-              </a:defRPr>
-            </a:lvl3pPr>
-            <a:lvl4pPr marL="1600200" indent="-228600" algn="l" defTabSz="449263" rtl="0" eaLnBrk="0" fontAlgn="base" hangingPunct="0">
-              <a:spcBef>
-                <a:spcPct val="0"/>
-              </a:spcBef>
-              <a:spcAft>
-                <a:spcPct val="0"/>
-              </a:spcAft>
-              <a:defRPr kern="1200">
-                <a:solidFill>
-                  <a:schemeClr val="dk1"/>
-                </a:solidFill>
-                <a:latin typeface="+mn-lt"/>
-                <a:ea typeface="+mn-ea"/>
-                <a:cs typeface="+mn-cs"/>
-              </a:defRPr>
-            </a:lvl4pPr>
-            <a:lvl5pPr marL="2057400" indent="-228600" algn="l" defTabSz="449263" rtl="0" eaLnBrk="0" fontAlgn="base" hangingPunct="0">
-              <a:spcBef>
-                <a:spcPct val="0"/>
-              </a:spcBef>
-              <a:spcAft>
-                <a:spcPct val="0"/>
-              </a:spcAft>
-              <a:defRPr kern="1200">
-                <a:solidFill>
-                  <a:schemeClr val="dk1"/>
-                </a:solidFill>
-                <a:latin typeface="+mn-lt"/>
-                <a:ea typeface="+mn-ea"/>
-                <a:cs typeface="+mn-cs"/>
-              </a:defRPr>
-            </a:lvl5pPr>
-            <a:lvl6pPr marL="2286000" algn="l" defTabSz="914400" rtl="0" eaLnBrk="1" latinLnBrk="0" hangingPunct="1">
-              <a:defRPr kern="1200">
-                <a:solidFill>
-                  <a:schemeClr val="dk1"/>
-                </a:solidFill>
-                <a:latin typeface="+mn-lt"/>
-                <a:ea typeface="+mn-ea"/>
-                <a:cs typeface="+mn-cs"/>
-              </a:defRPr>
-            </a:lvl6pPr>
-            <a:lvl7pPr marL="2743200" algn="l" defTabSz="914400" rtl="0" eaLnBrk="1" latinLnBrk="0" hangingPunct="1">
-              <a:defRPr kern="1200">
-                <a:solidFill>
-                  <a:schemeClr val="dk1"/>
-                </a:solidFill>
-                <a:latin typeface="+mn-lt"/>
-                <a:ea typeface="+mn-ea"/>
-                <a:cs typeface="+mn-cs"/>
-              </a:defRPr>
-            </a:lvl7pPr>
-            <a:lvl8pPr marL="3200400" algn="l" defTabSz="914400" rtl="0" eaLnBrk="1" latinLnBrk="0" hangingPunct="1">
-              <a:defRPr kern="1200">
-                <a:solidFill>
-                  <a:schemeClr val="dk1"/>
-                </a:solidFill>
-                <a:latin typeface="+mn-lt"/>
-                <a:ea typeface="+mn-ea"/>
-                <a:cs typeface="+mn-cs"/>
-              </a:defRPr>
-            </a:lvl8pPr>
-            <a:lvl9pPr marL="3657600" algn="l" defTabSz="914400" rtl="0" eaLnBrk="1" latinLnBrk="0" hangingPunct="1">
-              <a:defRPr kern="1200">
-                <a:solidFill>
-                  <a:schemeClr val="dk1"/>
-                </a:solidFill>
-                <a:latin typeface="+mn-lt"/>
-                <a:ea typeface="+mn-ea"/>
-                <a:cs typeface="+mn-cs"/>
-              </a:defRPr>
-            </a:lvl9pPr>
-          </a:lstStyle>
-          <a:p>
-            <a:pPr algn="ctr"/>
-            <a:r>
-              <a:rPr lang="en-US" dirty="0">
-                <a:latin typeface="CMU Sans Serif" panose="02000603000000000000" pitchFamily="2" charset="0"/>
-                <a:ea typeface="CMU Sans Serif" panose="02000603000000000000" pitchFamily="2" charset="0"/>
-                <a:cs typeface="CMU Sans Serif" panose="02000603000000000000" pitchFamily="2" charset="0"/>
-              </a:rPr>
-              <a:t>Task 1</a:t>
-            </a:r>
-            <a:endParaRPr lang="de-DE" dirty="0">
-              <a:latin typeface="CMU Sans Serif" panose="02000603000000000000" pitchFamily="2" charset="0"/>
-              <a:ea typeface="CMU Sans Serif" panose="02000603000000000000" pitchFamily="2" charset="0"/>
-              <a:cs typeface="CMU Sans Serif" panose="02000603000000000000" pitchFamily="2" charset="0"/>
-            </a:endParaRPr>
-          </a:p>
-        </p:txBody>
-      </p:sp>
-      <p:sp>
-        <p:nvSpPr>
-          <p:cNvPr id="13" name="Rechteck 12">
-            <a:extLst>
-              <a:ext uri="{FF2B5EF4-FFF2-40B4-BE49-F238E27FC236}">
-                <a16:creationId xmlns:a16="http://schemas.microsoft.com/office/drawing/2014/main" id="{7277D6B0-8E45-4124-9471-D5E9356BD06A}"/>
-              </a:ext>
-            </a:extLst>
-          </p:cNvPr>
-          <p:cNvSpPr/>
-          <p:nvPr/>
-        </p:nvSpPr>
-        <p:spPr>
-          <a:xfrm>
-            <a:off x="4456579" y="3791418"/>
-            <a:ext cx="1241598" cy="514963"/>
-          </a:xfrm>
-          <a:prstGeom prst="rect">
-            <a:avLst/>
-          </a:prstGeom>
-          <a:solidFill>
-            <a:schemeClr val="bg1"/>
-          </a:solidFill>
-          <a:ln w="12700">
-            <a:solidFill>
-              <a:schemeClr val="tx1"/>
-            </a:solidFill>
-          </a:ln>
-        </p:spPr>
-        <p:style>
-          <a:lnRef idx="2">
-            <a:schemeClr val="accent6"/>
-          </a:lnRef>
-          <a:fillRef idx="1">
-            <a:schemeClr val="lt1"/>
-          </a:fillRef>
-          <a:effectRef idx="0">
-            <a:schemeClr val="accent6"/>
-          </a:effectRef>
-          <a:fontRef idx="minor">
-            <a:schemeClr val="dk1"/>
-          </a:fontRef>
-        </p:style>
-        <p:txBody>
-          <a:bodyPr rtlCol="0" anchor="ctr"/>
-          <a:lstStyle>
-            <a:defPPr>
-              <a:defRPr lang="en-GB"/>
-            </a:defPPr>
-            <a:lvl1pPr algn="l" defTabSz="449263" rtl="0" eaLnBrk="0" fontAlgn="base" hangingPunct="0">
-              <a:spcBef>
-                <a:spcPct val="0"/>
-              </a:spcBef>
-              <a:spcAft>
-                <a:spcPct val="0"/>
-              </a:spcAft>
-              <a:defRPr kern="1200">
-                <a:solidFill>
-                  <a:schemeClr val="dk1"/>
-                </a:solidFill>
-                <a:latin typeface="+mn-lt"/>
-                <a:ea typeface="+mn-ea"/>
-                <a:cs typeface="+mn-cs"/>
-              </a:defRPr>
-            </a:lvl1pPr>
-            <a:lvl2pPr marL="742950" indent="-285750" algn="l" defTabSz="449263" rtl="0" eaLnBrk="0" fontAlgn="base" hangingPunct="0">
-              <a:spcBef>
-                <a:spcPct val="0"/>
-              </a:spcBef>
-              <a:spcAft>
-                <a:spcPct val="0"/>
-              </a:spcAft>
-              <a:defRPr kern="1200">
-                <a:solidFill>
-                  <a:schemeClr val="dk1"/>
-                </a:solidFill>
-                <a:latin typeface="+mn-lt"/>
-                <a:ea typeface="+mn-ea"/>
-                <a:cs typeface="+mn-cs"/>
-              </a:defRPr>
-            </a:lvl2pPr>
-            <a:lvl3pPr marL="1143000" indent="-228600" algn="l" defTabSz="449263" rtl="0" eaLnBrk="0" fontAlgn="base" hangingPunct="0">
-              <a:spcBef>
-                <a:spcPct val="0"/>
-              </a:spcBef>
-              <a:spcAft>
-                <a:spcPct val="0"/>
-              </a:spcAft>
-              <a:defRPr kern="1200">
-                <a:solidFill>
-                  <a:schemeClr val="dk1"/>
-                </a:solidFill>
-                <a:latin typeface="+mn-lt"/>
-                <a:ea typeface="+mn-ea"/>
-                <a:cs typeface="+mn-cs"/>
-              </a:defRPr>
-            </a:lvl3pPr>
-            <a:lvl4pPr marL="1600200" indent="-228600" algn="l" defTabSz="449263" rtl="0" eaLnBrk="0" fontAlgn="base" hangingPunct="0">
-              <a:spcBef>
-                <a:spcPct val="0"/>
-              </a:spcBef>
-              <a:spcAft>
-                <a:spcPct val="0"/>
-              </a:spcAft>
-              <a:defRPr kern="1200">
-                <a:solidFill>
-                  <a:schemeClr val="dk1"/>
-                </a:solidFill>
-                <a:latin typeface="+mn-lt"/>
-                <a:ea typeface="+mn-ea"/>
-                <a:cs typeface="+mn-cs"/>
-              </a:defRPr>
-            </a:lvl4pPr>
-            <a:lvl5pPr marL="2057400" indent="-228600" algn="l" defTabSz="449263" rtl="0" eaLnBrk="0" fontAlgn="base" hangingPunct="0">
-              <a:spcBef>
-                <a:spcPct val="0"/>
-              </a:spcBef>
-              <a:spcAft>
-                <a:spcPct val="0"/>
-              </a:spcAft>
-              <a:defRPr kern="1200">
-                <a:solidFill>
-                  <a:schemeClr val="dk1"/>
-                </a:solidFill>
-                <a:latin typeface="+mn-lt"/>
-                <a:ea typeface="+mn-ea"/>
-                <a:cs typeface="+mn-cs"/>
-              </a:defRPr>
-            </a:lvl5pPr>
-            <a:lvl6pPr marL="2286000" algn="l" defTabSz="914400" rtl="0" eaLnBrk="1" latinLnBrk="0" hangingPunct="1">
-              <a:defRPr kern="1200">
-                <a:solidFill>
-                  <a:schemeClr val="dk1"/>
-                </a:solidFill>
-                <a:latin typeface="+mn-lt"/>
-                <a:ea typeface="+mn-ea"/>
-                <a:cs typeface="+mn-cs"/>
-              </a:defRPr>
-            </a:lvl6pPr>
-            <a:lvl7pPr marL="2743200" algn="l" defTabSz="914400" rtl="0" eaLnBrk="1" latinLnBrk="0" hangingPunct="1">
-              <a:defRPr kern="1200">
-                <a:solidFill>
-                  <a:schemeClr val="dk1"/>
-                </a:solidFill>
-                <a:latin typeface="+mn-lt"/>
-                <a:ea typeface="+mn-ea"/>
-                <a:cs typeface="+mn-cs"/>
-              </a:defRPr>
-            </a:lvl7pPr>
-            <a:lvl8pPr marL="3200400" algn="l" defTabSz="914400" rtl="0" eaLnBrk="1" latinLnBrk="0" hangingPunct="1">
-              <a:defRPr kern="1200">
-                <a:solidFill>
-                  <a:schemeClr val="dk1"/>
-                </a:solidFill>
-                <a:latin typeface="+mn-lt"/>
-                <a:ea typeface="+mn-ea"/>
-                <a:cs typeface="+mn-cs"/>
-              </a:defRPr>
-            </a:lvl8pPr>
-            <a:lvl9pPr marL="3657600" algn="l" defTabSz="914400" rtl="0" eaLnBrk="1" latinLnBrk="0" hangingPunct="1">
-              <a:defRPr kern="1200">
-                <a:solidFill>
-                  <a:schemeClr val="dk1"/>
-                </a:solidFill>
-                <a:latin typeface="+mn-lt"/>
-                <a:ea typeface="+mn-ea"/>
-                <a:cs typeface="+mn-cs"/>
-              </a:defRPr>
-            </a:lvl9pPr>
-          </a:lstStyle>
-          <a:p>
-            <a:pPr algn="ctr"/>
-            <a:r>
-              <a:rPr lang="en-US" dirty="0">
-                <a:latin typeface="CMU Sans Serif" panose="02000603000000000000" pitchFamily="2" charset="0"/>
-                <a:ea typeface="CMU Sans Serif" panose="02000603000000000000" pitchFamily="2" charset="0"/>
-                <a:cs typeface="CMU Sans Serif" panose="02000603000000000000" pitchFamily="2" charset="0"/>
-              </a:rPr>
-              <a:t>Task 2</a:t>
-            </a:r>
-            <a:endParaRPr lang="de-DE" dirty="0">
-              <a:latin typeface="CMU Sans Serif" panose="02000603000000000000" pitchFamily="2" charset="0"/>
-              <a:ea typeface="CMU Sans Serif" panose="02000603000000000000" pitchFamily="2" charset="0"/>
-              <a:cs typeface="CMU Sans Serif" panose="02000603000000000000" pitchFamily="2" charset="0"/>
-            </a:endParaRPr>
-          </a:p>
-        </p:txBody>
-      </p:sp>
-      <p:sp>
-        <p:nvSpPr>
-          <p:cNvPr id="14" name="Rechteck 13">
-            <a:extLst>
-              <a:ext uri="{FF2B5EF4-FFF2-40B4-BE49-F238E27FC236}">
-                <a16:creationId xmlns:a16="http://schemas.microsoft.com/office/drawing/2014/main" id="{A815F659-925E-4EA9-B35F-03497A2E1510}"/>
-              </a:ext>
-            </a:extLst>
-          </p:cNvPr>
-          <p:cNvSpPr/>
-          <p:nvPr/>
-        </p:nvSpPr>
-        <p:spPr>
-          <a:xfrm>
-            <a:off x="6502723" y="2987747"/>
-            <a:ext cx="1241598" cy="514963"/>
-          </a:xfrm>
-          <a:prstGeom prst="rect">
-            <a:avLst/>
-          </a:prstGeom>
-          <a:solidFill>
-            <a:schemeClr val="bg1"/>
-          </a:solidFill>
-          <a:ln w="12700">
-            <a:solidFill>
-              <a:schemeClr val="tx1"/>
-            </a:solidFill>
-          </a:ln>
-        </p:spPr>
-        <p:style>
-          <a:lnRef idx="2">
-            <a:schemeClr val="accent6"/>
-          </a:lnRef>
-          <a:fillRef idx="1">
-            <a:schemeClr val="lt1"/>
-          </a:fillRef>
-          <a:effectRef idx="0">
-            <a:schemeClr val="accent6"/>
-          </a:effectRef>
-          <a:fontRef idx="minor">
-            <a:schemeClr val="dk1"/>
-          </a:fontRef>
-        </p:style>
-        <p:txBody>
-          <a:bodyPr rtlCol="0" anchor="ctr"/>
-          <a:lstStyle>
-            <a:defPPr>
-              <a:defRPr lang="en-GB"/>
-            </a:defPPr>
-            <a:lvl1pPr algn="l" defTabSz="449263" rtl="0" eaLnBrk="0" fontAlgn="base" hangingPunct="0">
-              <a:spcBef>
-                <a:spcPct val="0"/>
-              </a:spcBef>
-              <a:spcAft>
-                <a:spcPct val="0"/>
-              </a:spcAft>
-              <a:defRPr kern="1200">
-                <a:solidFill>
-                  <a:schemeClr val="dk1"/>
-                </a:solidFill>
-                <a:latin typeface="+mn-lt"/>
-                <a:ea typeface="+mn-ea"/>
-                <a:cs typeface="+mn-cs"/>
-              </a:defRPr>
-            </a:lvl1pPr>
-            <a:lvl2pPr marL="742950" indent="-285750" algn="l" defTabSz="449263" rtl="0" eaLnBrk="0" fontAlgn="base" hangingPunct="0">
-              <a:spcBef>
-                <a:spcPct val="0"/>
-              </a:spcBef>
-              <a:spcAft>
-                <a:spcPct val="0"/>
-              </a:spcAft>
-              <a:defRPr kern="1200">
-                <a:solidFill>
-                  <a:schemeClr val="dk1"/>
-                </a:solidFill>
-                <a:latin typeface="+mn-lt"/>
-                <a:ea typeface="+mn-ea"/>
-                <a:cs typeface="+mn-cs"/>
-              </a:defRPr>
-            </a:lvl2pPr>
-            <a:lvl3pPr marL="1143000" indent="-228600" algn="l" defTabSz="449263" rtl="0" eaLnBrk="0" fontAlgn="base" hangingPunct="0">
-              <a:spcBef>
-                <a:spcPct val="0"/>
-              </a:spcBef>
-              <a:spcAft>
-                <a:spcPct val="0"/>
-              </a:spcAft>
-              <a:defRPr kern="1200">
-                <a:solidFill>
-                  <a:schemeClr val="dk1"/>
-                </a:solidFill>
-                <a:latin typeface="+mn-lt"/>
-                <a:ea typeface="+mn-ea"/>
-                <a:cs typeface="+mn-cs"/>
-              </a:defRPr>
-            </a:lvl3pPr>
-            <a:lvl4pPr marL="1600200" indent="-228600" algn="l" defTabSz="449263" rtl="0" eaLnBrk="0" fontAlgn="base" hangingPunct="0">
-              <a:spcBef>
-                <a:spcPct val="0"/>
-              </a:spcBef>
-              <a:spcAft>
-                <a:spcPct val="0"/>
-              </a:spcAft>
-              <a:defRPr kern="1200">
-                <a:solidFill>
-                  <a:schemeClr val="dk1"/>
-                </a:solidFill>
-                <a:latin typeface="+mn-lt"/>
-                <a:ea typeface="+mn-ea"/>
-                <a:cs typeface="+mn-cs"/>
-              </a:defRPr>
-            </a:lvl4pPr>
-            <a:lvl5pPr marL="2057400" indent="-228600" algn="l" defTabSz="449263" rtl="0" eaLnBrk="0" fontAlgn="base" hangingPunct="0">
-              <a:spcBef>
-                <a:spcPct val="0"/>
-              </a:spcBef>
-              <a:spcAft>
-                <a:spcPct val="0"/>
-              </a:spcAft>
-              <a:defRPr kern="1200">
-                <a:solidFill>
-                  <a:schemeClr val="dk1"/>
-                </a:solidFill>
-                <a:latin typeface="+mn-lt"/>
-                <a:ea typeface="+mn-ea"/>
-                <a:cs typeface="+mn-cs"/>
-              </a:defRPr>
-            </a:lvl5pPr>
-            <a:lvl6pPr marL="2286000" algn="l" defTabSz="914400" rtl="0" eaLnBrk="1" latinLnBrk="0" hangingPunct="1">
-              <a:defRPr kern="1200">
-                <a:solidFill>
-                  <a:schemeClr val="dk1"/>
-                </a:solidFill>
-                <a:latin typeface="+mn-lt"/>
-                <a:ea typeface="+mn-ea"/>
-                <a:cs typeface="+mn-cs"/>
-              </a:defRPr>
-            </a:lvl6pPr>
-            <a:lvl7pPr marL="2743200" algn="l" defTabSz="914400" rtl="0" eaLnBrk="1" latinLnBrk="0" hangingPunct="1">
-              <a:defRPr kern="1200">
-                <a:solidFill>
-                  <a:schemeClr val="dk1"/>
-                </a:solidFill>
-                <a:latin typeface="+mn-lt"/>
-                <a:ea typeface="+mn-ea"/>
-                <a:cs typeface="+mn-cs"/>
-              </a:defRPr>
-            </a:lvl7pPr>
-            <a:lvl8pPr marL="3200400" algn="l" defTabSz="914400" rtl="0" eaLnBrk="1" latinLnBrk="0" hangingPunct="1">
-              <a:defRPr kern="1200">
-                <a:solidFill>
-                  <a:schemeClr val="dk1"/>
-                </a:solidFill>
-                <a:latin typeface="+mn-lt"/>
-                <a:ea typeface="+mn-ea"/>
-                <a:cs typeface="+mn-cs"/>
-              </a:defRPr>
-            </a:lvl8pPr>
-            <a:lvl9pPr marL="3657600" algn="l" defTabSz="914400" rtl="0" eaLnBrk="1" latinLnBrk="0" hangingPunct="1">
-              <a:defRPr kern="1200">
-                <a:solidFill>
-                  <a:schemeClr val="dk1"/>
-                </a:solidFill>
-                <a:latin typeface="+mn-lt"/>
-                <a:ea typeface="+mn-ea"/>
-                <a:cs typeface="+mn-cs"/>
-              </a:defRPr>
-            </a:lvl9pPr>
-          </a:lstStyle>
-          <a:p>
-            <a:pPr algn="ctr"/>
-            <a:r>
-              <a:rPr lang="en-US" dirty="0">
-                <a:latin typeface="CMU Sans Serif" panose="02000603000000000000" pitchFamily="2" charset="0"/>
-                <a:ea typeface="CMU Sans Serif" panose="02000603000000000000" pitchFamily="2" charset="0"/>
-                <a:cs typeface="CMU Sans Serif" panose="02000603000000000000" pitchFamily="2" charset="0"/>
-              </a:rPr>
-              <a:t>Task 2</a:t>
-            </a:r>
-            <a:endParaRPr lang="de-DE" dirty="0">
-              <a:latin typeface="CMU Sans Serif" panose="02000603000000000000" pitchFamily="2" charset="0"/>
-              <a:ea typeface="CMU Sans Serif" panose="02000603000000000000" pitchFamily="2" charset="0"/>
-              <a:cs typeface="CMU Sans Serif" panose="02000603000000000000" pitchFamily="2" charset="0"/>
-            </a:endParaRPr>
-          </a:p>
-        </p:txBody>
-      </p:sp>
-      <p:sp>
-        <p:nvSpPr>
-          <p:cNvPr id="15" name="Rechteck 14">
-            <a:extLst>
-              <a:ext uri="{FF2B5EF4-FFF2-40B4-BE49-F238E27FC236}">
-                <a16:creationId xmlns:a16="http://schemas.microsoft.com/office/drawing/2014/main" id="{67589D12-4A24-4B01-A819-AB97E4B2207C}"/>
-              </a:ext>
-            </a:extLst>
-          </p:cNvPr>
-          <p:cNvSpPr/>
-          <p:nvPr/>
-        </p:nvSpPr>
-        <p:spPr>
-          <a:xfrm>
-            <a:off x="6502723" y="3789292"/>
-            <a:ext cx="1241598" cy="514963"/>
-          </a:xfrm>
-          <a:prstGeom prst="rect">
-            <a:avLst/>
-          </a:prstGeom>
-          <a:solidFill>
-            <a:schemeClr val="bg1"/>
-          </a:solidFill>
-          <a:ln w="12700">
-            <a:solidFill>
-              <a:schemeClr val="tx1"/>
-            </a:solidFill>
-          </a:ln>
-        </p:spPr>
-        <p:style>
-          <a:lnRef idx="2">
-            <a:schemeClr val="accent6"/>
-          </a:lnRef>
-          <a:fillRef idx="1">
-            <a:schemeClr val="lt1"/>
-          </a:fillRef>
-          <a:effectRef idx="0">
-            <a:schemeClr val="accent6"/>
-          </a:effectRef>
-          <a:fontRef idx="minor">
-            <a:schemeClr val="dk1"/>
-          </a:fontRef>
-        </p:style>
-        <p:txBody>
-          <a:bodyPr rtlCol="0" anchor="ctr"/>
-          <a:lstStyle>
-            <a:defPPr>
-              <a:defRPr lang="en-GB"/>
-            </a:defPPr>
-            <a:lvl1pPr algn="l" defTabSz="449263" rtl="0" eaLnBrk="0" fontAlgn="base" hangingPunct="0">
-              <a:spcBef>
-                <a:spcPct val="0"/>
-              </a:spcBef>
-              <a:spcAft>
-                <a:spcPct val="0"/>
-              </a:spcAft>
-              <a:defRPr kern="1200">
-                <a:solidFill>
-                  <a:schemeClr val="dk1"/>
-                </a:solidFill>
-                <a:latin typeface="+mn-lt"/>
-                <a:ea typeface="+mn-ea"/>
-                <a:cs typeface="+mn-cs"/>
-              </a:defRPr>
-            </a:lvl1pPr>
-            <a:lvl2pPr marL="742950" indent="-285750" algn="l" defTabSz="449263" rtl="0" eaLnBrk="0" fontAlgn="base" hangingPunct="0">
-              <a:spcBef>
-                <a:spcPct val="0"/>
-              </a:spcBef>
-              <a:spcAft>
-                <a:spcPct val="0"/>
-              </a:spcAft>
-              <a:defRPr kern="1200">
-                <a:solidFill>
-                  <a:schemeClr val="dk1"/>
-                </a:solidFill>
-                <a:latin typeface="+mn-lt"/>
-                <a:ea typeface="+mn-ea"/>
-                <a:cs typeface="+mn-cs"/>
-              </a:defRPr>
-            </a:lvl2pPr>
-            <a:lvl3pPr marL="1143000" indent="-228600" algn="l" defTabSz="449263" rtl="0" eaLnBrk="0" fontAlgn="base" hangingPunct="0">
-              <a:spcBef>
-                <a:spcPct val="0"/>
-              </a:spcBef>
-              <a:spcAft>
-                <a:spcPct val="0"/>
-              </a:spcAft>
-              <a:defRPr kern="1200">
-                <a:solidFill>
-                  <a:schemeClr val="dk1"/>
-                </a:solidFill>
-                <a:latin typeface="+mn-lt"/>
-                <a:ea typeface="+mn-ea"/>
-                <a:cs typeface="+mn-cs"/>
-              </a:defRPr>
-            </a:lvl3pPr>
-            <a:lvl4pPr marL="1600200" indent="-228600" algn="l" defTabSz="449263" rtl="0" eaLnBrk="0" fontAlgn="base" hangingPunct="0">
-              <a:spcBef>
-                <a:spcPct val="0"/>
-              </a:spcBef>
-              <a:spcAft>
-                <a:spcPct val="0"/>
-              </a:spcAft>
-              <a:defRPr kern="1200">
-                <a:solidFill>
-                  <a:schemeClr val="dk1"/>
-                </a:solidFill>
-                <a:latin typeface="+mn-lt"/>
-                <a:ea typeface="+mn-ea"/>
-                <a:cs typeface="+mn-cs"/>
-              </a:defRPr>
-            </a:lvl4pPr>
-            <a:lvl5pPr marL="2057400" indent="-228600" algn="l" defTabSz="449263" rtl="0" eaLnBrk="0" fontAlgn="base" hangingPunct="0">
-              <a:spcBef>
-                <a:spcPct val="0"/>
-              </a:spcBef>
-              <a:spcAft>
-                <a:spcPct val="0"/>
-              </a:spcAft>
-              <a:defRPr kern="1200">
-                <a:solidFill>
-                  <a:schemeClr val="dk1"/>
-                </a:solidFill>
-                <a:latin typeface="+mn-lt"/>
-                <a:ea typeface="+mn-ea"/>
-                <a:cs typeface="+mn-cs"/>
-              </a:defRPr>
-            </a:lvl5pPr>
-            <a:lvl6pPr marL="2286000" algn="l" defTabSz="914400" rtl="0" eaLnBrk="1" latinLnBrk="0" hangingPunct="1">
-              <a:defRPr kern="1200">
-                <a:solidFill>
-                  <a:schemeClr val="dk1"/>
-                </a:solidFill>
-                <a:latin typeface="+mn-lt"/>
-                <a:ea typeface="+mn-ea"/>
-                <a:cs typeface="+mn-cs"/>
-              </a:defRPr>
-            </a:lvl6pPr>
-            <a:lvl7pPr marL="2743200" algn="l" defTabSz="914400" rtl="0" eaLnBrk="1" latinLnBrk="0" hangingPunct="1">
-              <a:defRPr kern="1200">
-                <a:solidFill>
-                  <a:schemeClr val="dk1"/>
-                </a:solidFill>
-                <a:latin typeface="+mn-lt"/>
-                <a:ea typeface="+mn-ea"/>
-                <a:cs typeface="+mn-cs"/>
-              </a:defRPr>
-            </a:lvl7pPr>
-            <a:lvl8pPr marL="3200400" algn="l" defTabSz="914400" rtl="0" eaLnBrk="1" latinLnBrk="0" hangingPunct="1">
-              <a:defRPr kern="1200">
-                <a:solidFill>
-                  <a:schemeClr val="dk1"/>
-                </a:solidFill>
-                <a:latin typeface="+mn-lt"/>
-                <a:ea typeface="+mn-ea"/>
-                <a:cs typeface="+mn-cs"/>
-              </a:defRPr>
-            </a:lvl8pPr>
-            <a:lvl9pPr marL="3657600" algn="l" defTabSz="914400" rtl="0" eaLnBrk="1" latinLnBrk="0" hangingPunct="1">
-              <a:defRPr kern="1200">
-                <a:solidFill>
-                  <a:schemeClr val="dk1"/>
-                </a:solidFill>
-                <a:latin typeface="+mn-lt"/>
-                <a:ea typeface="+mn-ea"/>
-                <a:cs typeface="+mn-cs"/>
-              </a:defRPr>
-            </a:lvl9pPr>
-          </a:lstStyle>
-          <a:p>
-            <a:pPr algn="ctr"/>
-            <a:r>
-              <a:rPr lang="en-US" dirty="0">
-                <a:latin typeface="CMU Sans Serif" panose="02000603000000000000" pitchFamily="2" charset="0"/>
-                <a:ea typeface="CMU Sans Serif" panose="02000603000000000000" pitchFamily="2" charset="0"/>
-                <a:cs typeface="CMU Sans Serif" panose="02000603000000000000" pitchFamily="2" charset="0"/>
-              </a:rPr>
-              <a:t>Task 1</a:t>
-            </a:r>
-            <a:endParaRPr lang="de-DE" dirty="0">
-              <a:latin typeface="CMU Sans Serif" panose="02000603000000000000" pitchFamily="2" charset="0"/>
-              <a:ea typeface="CMU Sans Serif" panose="02000603000000000000" pitchFamily="2" charset="0"/>
-              <a:cs typeface="CMU Sans Serif" panose="02000603000000000000" pitchFamily="2" charset="0"/>
-            </a:endParaRPr>
-          </a:p>
-        </p:txBody>
-      </p:sp>
-      <p:sp>
-        <p:nvSpPr>
-          <p:cNvPr id="16" name="Textfeld 35">
-            <a:extLst>
-              <a:ext uri="{FF2B5EF4-FFF2-40B4-BE49-F238E27FC236}">
-                <a16:creationId xmlns:a16="http://schemas.microsoft.com/office/drawing/2014/main" id="{21A7EC54-ED29-4137-A1F1-B85449775E66}"/>
-              </a:ext>
-            </a:extLst>
-          </p:cNvPr>
-          <p:cNvSpPr txBox="1"/>
-          <p:nvPr/>
-        </p:nvSpPr>
-        <p:spPr>
-          <a:xfrm>
-            <a:off x="4976222" y="1585004"/>
-            <a:ext cx="1195567" cy="338554"/>
-          </a:xfrm>
-          <a:prstGeom prst="rect">
-            <a:avLst/>
-          </a:prstGeom>
-          <a:noFill/>
-        </p:spPr>
-        <p:txBody>
-          <a:bodyPr wrap="square" rtlCol="0">
-            <a:spAutoFit/>
-          </a:bodyPr>
-          <a:lstStyle>
-            <a:defPPr>
-              <a:defRPr lang="en-GB"/>
-            </a:defPPr>
-            <a:lvl1pPr algn="l" defTabSz="449263" rtl="0" eaLnBrk="0" fontAlgn="base" hangingPunct="0">
-              <a:spcBef>
-                <a:spcPct val="0"/>
-              </a:spcBef>
-              <a:spcAft>
-                <a:spcPct val="0"/>
-              </a:spcAft>
-              <a:defRPr kern="1200">
-                <a:solidFill>
-                  <a:schemeClr val="bg1"/>
-                </a:solidFill>
-                <a:latin typeface="Arial" panose="020B0604020202020204" pitchFamily="34" charset="0"/>
-                <a:ea typeface="MS PGothic" panose="020B0600070205080204" pitchFamily="34" charset="-128"/>
-                <a:cs typeface="+mn-cs"/>
-              </a:defRPr>
-            </a:lvl1pPr>
-            <a:lvl2pPr marL="742950" indent="-285750" algn="l" defTabSz="449263" rtl="0" eaLnBrk="0" fontAlgn="base" hangingPunct="0">
-              <a:spcBef>
-                <a:spcPct val="0"/>
-              </a:spcBef>
-              <a:spcAft>
-                <a:spcPct val="0"/>
-              </a:spcAft>
-              <a:defRPr kern="1200">
-                <a:solidFill>
-                  <a:schemeClr val="bg1"/>
-                </a:solidFill>
-                <a:latin typeface="Arial" panose="020B0604020202020204" pitchFamily="34" charset="0"/>
-                <a:ea typeface="MS PGothic" panose="020B0600070205080204" pitchFamily="34" charset="-128"/>
-                <a:cs typeface="+mn-cs"/>
-              </a:defRPr>
-            </a:lvl2pPr>
-            <a:lvl3pPr marL="1143000" indent="-228600" algn="l" defTabSz="449263" rtl="0" eaLnBrk="0" fontAlgn="base" hangingPunct="0">
-              <a:spcBef>
-                <a:spcPct val="0"/>
-              </a:spcBef>
-              <a:spcAft>
-                <a:spcPct val="0"/>
-              </a:spcAft>
-              <a:defRPr kern="1200">
-                <a:solidFill>
-                  <a:schemeClr val="bg1"/>
-                </a:solidFill>
-                <a:latin typeface="Arial" panose="020B0604020202020204" pitchFamily="34" charset="0"/>
-                <a:ea typeface="MS PGothic" panose="020B0600070205080204" pitchFamily="34" charset="-128"/>
-                <a:cs typeface="+mn-cs"/>
-              </a:defRPr>
-            </a:lvl3pPr>
-            <a:lvl4pPr marL="1600200" indent="-228600" algn="l" defTabSz="449263" rtl="0" eaLnBrk="0" fontAlgn="base" hangingPunct="0">
-              <a:spcBef>
-                <a:spcPct val="0"/>
-              </a:spcBef>
-              <a:spcAft>
-                <a:spcPct val="0"/>
-              </a:spcAft>
-              <a:defRPr kern="1200">
-                <a:solidFill>
-                  <a:schemeClr val="bg1"/>
-                </a:solidFill>
-                <a:latin typeface="Arial" panose="020B0604020202020204" pitchFamily="34" charset="0"/>
-                <a:ea typeface="MS PGothic" panose="020B0600070205080204" pitchFamily="34" charset="-128"/>
-                <a:cs typeface="+mn-cs"/>
-              </a:defRPr>
-            </a:lvl4pPr>
-            <a:lvl5pPr marL="2057400" indent="-228600" algn="l" defTabSz="449263" rtl="0" eaLnBrk="0" fontAlgn="base" hangingPunct="0">
-              <a:spcBef>
-                <a:spcPct val="0"/>
-              </a:spcBef>
-              <a:spcAft>
-                <a:spcPct val="0"/>
-              </a:spcAft>
-              <a:defRPr kern="1200">
-                <a:solidFill>
-                  <a:schemeClr val="bg1"/>
-                </a:solidFill>
-                <a:latin typeface="Arial" panose="020B0604020202020204" pitchFamily="34" charset="0"/>
-                <a:ea typeface="MS PGothic" panose="020B0600070205080204" pitchFamily="34" charset="-128"/>
-                <a:cs typeface="+mn-cs"/>
-              </a:defRPr>
-            </a:lvl5pPr>
-            <a:lvl6pPr marL="2286000" algn="l" defTabSz="914400" rtl="0" eaLnBrk="1" latinLnBrk="0" hangingPunct="1">
-              <a:defRPr kern="1200">
-                <a:solidFill>
-                  <a:schemeClr val="bg1"/>
-                </a:solidFill>
-                <a:latin typeface="Arial" panose="020B0604020202020204" pitchFamily="34" charset="0"/>
-                <a:ea typeface="MS PGothic" panose="020B0600070205080204" pitchFamily="34" charset="-128"/>
-                <a:cs typeface="+mn-cs"/>
-              </a:defRPr>
-            </a:lvl6pPr>
-            <a:lvl7pPr marL="2743200" algn="l" defTabSz="914400" rtl="0" eaLnBrk="1" latinLnBrk="0" hangingPunct="1">
-              <a:defRPr kern="1200">
-                <a:solidFill>
-                  <a:schemeClr val="bg1"/>
-                </a:solidFill>
-                <a:latin typeface="Arial" panose="020B0604020202020204" pitchFamily="34" charset="0"/>
-                <a:ea typeface="MS PGothic" panose="020B0600070205080204" pitchFamily="34" charset="-128"/>
-                <a:cs typeface="+mn-cs"/>
-              </a:defRPr>
-            </a:lvl7pPr>
-            <a:lvl8pPr marL="3200400" algn="l" defTabSz="914400" rtl="0" eaLnBrk="1" latinLnBrk="0" hangingPunct="1">
-              <a:defRPr kern="1200">
-                <a:solidFill>
-                  <a:schemeClr val="bg1"/>
-                </a:solidFill>
-                <a:latin typeface="Arial" panose="020B0604020202020204" pitchFamily="34" charset="0"/>
-                <a:ea typeface="MS PGothic" panose="020B0600070205080204" pitchFamily="34" charset="-128"/>
-                <a:cs typeface="+mn-cs"/>
-              </a:defRPr>
-            </a:lvl8pPr>
-            <a:lvl9pPr marL="3657600" algn="l" defTabSz="914400" rtl="0" eaLnBrk="1" latinLnBrk="0" hangingPunct="1">
-              <a:defRPr kern="1200">
-                <a:solidFill>
-                  <a:schemeClr val="bg1"/>
-                </a:solidFill>
-                <a:latin typeface="Arial" panose="020B0604020202020204" pitchFamily="34" charset="0"/>
-                <a:ea typeface="MS PGothic" panose="020B0600070205080204" pitchFamily="34" charset="-128"/>
-                <a:cs typeface="+mn-cs"/>
-              </a:defRPr>
-            </a:lvl9pPr>
-          </a:lstStyle>
-          <a:p>
-            <a:r>
-              <a:rPr lang="en-US" sz="1600" dirty="0">
-                <a:solidFill>
-                  <a:srgbClr val="000000"/>
-                </a:solidFill>
-                <a:latin typeface="CMU Sans Serif" panose="02000603000000000000" pitchFamily="2" charset="0"/>
-                <a:ea typeface="CMU Sans Serif" panose="02000603000000000000" pitchFamily="2" charset="0"/>
-                <a:cs typeface="CMU Sans Serif" panose="02000603000000000000" pitchFamily="2" charset="0"/>
-              </a:rPr>
-              <a:t>Group A</a:t>
-            </a:r>
-            <a:endParaRPr lang="de-DE" sz="1600" dirty="0" err="1">
-              <a:solidFill>
-                <a:srgbClr val="000000"/>
-              </a:solidFill>
-              <a:latin typeface="CMU Sans Serif" panose="02000603000000000000" pitchFamily="2" charset="0"/>
-              <a:ea typeface="CMU Sans Serif" panose="02000603000000000000" pitchFamily="2" charset="0"/>
-              <a:cs typeface="CMU Sans Serif" panose="02000603000000000000" pitchFamily="2" charset="0"/>
-            </a:endParaRPr>
-          </a:p>
-        </p:txBody>
-      </p:sp>
-      <p:sp>
-        <p:nvSpPr>
-          <p:cNvPr id="17" name="Textfeld 36">
-            <a:extLst>
-              <a:ext uri="{FF2B5EF4-FFF2-40B4-BE49-F238E27FC236}">
-                <a16:creationId xmlns:a16="http://schemas.microsoft.com/office/drawing/2014/main" id="{59D6F540-1692-4433-AFA7-5E899D9B9E12}"/>
-              </a:ext>
-            </a:extLst>
-          </p:cNvPr>
-          <p:cNvSpPr txBox="1"/>
-          <p:nvPr/>
-        </p:nvSpPr>
-        <p:spPr>
-          <a:xfrm>
-            <a:off x="6283033" y="1580583"/>
-            <a:ext cx="1195563" cy="338554"/>
-          </a:xfrm>
-          <a:prstGeom prst="rect">
-            <a:avLst/>
-          </a:prstGeom>
-          <a:noFill/>
-        </p:spPr>
-        <p:txBody>
-          <a:bodyPr wrap="square" rtlCol="0">
-            <a:spAutoFit/>
-          </a:bodyPr>
-          <a:lstStyle>
-            <a:defPPr>
-              <a:defRPr lang="en-GB"/>
-            </a:defPPr>
-            <a:lvl1pPr algn="l" defTabSz="449263" rtl="0" eaLnBrk="0" fontAlgn="base" hangingPunct="0">
-              <a:spcBef>
-                <a:spcPct val="0"/>
-              </a:spcBef>
-              <a:spcAft>
-                <a:spcPct val="0"/>
-              </a:spcAft>
-              <a:defRPr kern="1200">
-                <a:solidFill>
-                  <a:schemeClr val="bg1"/>
-                </a:solidFill>
-                <a:latin typeface="Arial" panose="020B0604020202020204" pitchFamily="34" charset="0"/>
-                <a:ea typeface="MS PGothic" panose="020B0600070205080204" pitchFamily="34" charset="-128"/>
-                <a:cs typeface="+mn-cs"/>
-              </a:defRPr>
-            </a:lvl1pPr>
-            <a:lvl2pPr marL="742950" indent="-285750" algn="l" defTabSz="449263" rtl="0" eaLnBrk="0" fontAlgn="base" hangingPunct="0">
-              <a:spcBef>
-                <a:spcPct val="0"/>
-              </a:spcBef>
-              <a:spcAft>
-                <a:spcPct val="0"/>
-              </a:spcAft>
-              <a:defRPr kern="1200">
-                <a:solidFill>
-                  <a:schemeClr val="bg1"/>
-                </a:solidFill>
-                <a:latin typeface="Arial" panose="020B0604020202020204" pitchFamily="34" charset="0"/>
-                <a:ea typeface="MS PGothic" panose="020B0600070205080204" pitchFamily="34" charset="-128"/>
-                <a:cs typeface="+mn-cs"/>
-              </a:defRPr>
-            </a:lvl2pPr>
-            <a:lvl3pPr marL="1143000" indent="-228600" algn="l" defTabSz="449263" rtl="0" eaLnBrk="0" fontAlgn="base" hangingPunct="0">
-              <a:spcBef>
-                <a:spcPct val="0"/>
-              </a:spcBef>
-              <a:spcAft>
-                <a:spcPct val="0"/>
-              </a:spcAft>
-              <a:defRPr kern="1200">
-                <a:solidFill>
-                  <a:schemeClr val="bg1"/>
-                </a:solidFill>
-                <a:latin typeface="Arial" panose="020B0604020202020204" pitchFamily="34" charset="0"/>
-                <a:ea typeface="MS PGothic" panose="020B0600070205080204" pitchFamily="34" charset="-128"/>
-                <a:cs typeface="+mn-cs"/>
-              </a:defRPr>
-            </a:lvl3pPr>
-            <a:lvl4pPr marL="1600200" indent="-228600" algn="l" defTabSz="449263" rtl="0" eaLnBrk="0" fontAlgn="base" hangingPunct="0">
-              <a:spcBef>
-                <a:spcPct val="0"/>
-              </a:spcBef>
-              <a:spcAft>
-                <a:spcPct val="0"/>
-              </a:spcAft>
-              <a:defRPr kern="1200">
-                <a:solidFill>
-                  <a:schemeClr val="bg1"/>
-                </a:solidFill>
-                <a:latin typeface="Arial" panose="020B0604020202020204" pitchFamily="34" charset="0"/>
-                <a:ea typeface="MS PGothic" panose="020B0600070205080204" pitchFamily="34" charset="-128"/>
-                <a:cs typeface="+mn-cs"/>
-              </a:defRPr>
-            </a:lvl4pPr>
-            <a:lvl5pPr marL="2057400" indent="-228600" algn="l" defTabSz="449263" rtl="0" eaLnBrk="0" fontAlgn="base" hangingPunct="0">
-              <a:spcBef>
-                <a:spcPct val="0"/>
-              </a:spcBef>
-              <a:spcAft>
-                <a:spcPct val="0"/>
-              </a:spcAft>
-              <a:defRPr kern="1200">
-                <a:solidFill>
-                  <a:schemeClr val="bg1"/>
-                </a:solidFill>
-                <a:latin typeface="Arial" panose="020B0604020202020204" pitchFamily="34" charset="0"/>
-                <a:ea typeface="MS PGothic" panose="020B0600070205080204" pitchFamily="34" charset="-128"/>
-                <a:cs typeface="+mn-cs"/>
-              </a:defRPr>
-            </a:lvl5pPr>
-            <a:lvl6pPr marL="2286000" algn="l" defTabSz="914400" rtl="0" eaLnBrk="1" latinLnBrk="0" hangingPunct="1">
-              <a:defRPr kern="1200">
-                <a:solidFill>
-                  <a:schemeClr val="bg1"/>
-                </a:solidFill>
-                <a:latin typeface="Arial" panose="020B0604020202020204" pitchFamily="34" charset="0"/>
-                <a:ea typeface="MS PGothic" panose="020B0600070205080204" pitchFamily="34" charset="-128"/>
-                <a:cs typeface="+mn-cs"/>
-              </a:defRPr>
-            </a:lvl6pPr>
-            <a:lvl7pPr marL="2743200" algn="l" defTabSz="914400" rtl="0" eaLnBrk="1" latinLnBrk="0" hangingPunct="1">
-              <a:defRPr kern="1200">
-                <a:solidFill>
-                  <a:schemeClr val="bg1"/>
-                </a:solidFill>
-                <a:latin typeface="Arial" panose="020B0604020202020204" pitchFamily="34" charset="0"/>
-                <a:ea typeface="MS PGothic" panose="020B0600070205080204" pitchFamily="34" charset="-128"/>
-                <a:cs typeface="+mn-cs"/>
-              </a:defRPr>
-            </a:lvl7pPr>
-            <a:lvl8pPr marL="3200400" algn="l" defTabSz="914400" rtl="0" eaLnBrk="1" latinLnBrk="0" hangingPunct="1">
-              <a:defRPr kern="1200">
-                <a:solidFill>
-                  <a:schemeClr val="bg1"/>
-                </a:solidFill>
-                <a:latin typeface="Arial" panose="020B0604020202020204" pitchFamily="34" charset="0"/>
-                <a:ea typeface="MS PGothic" panose="020B0600070205080204" pitchFamily="34" charset="-128"/>
-                <a:cs typeface="+mn-cs"/>
-              </a:defRPr>
-            </a:lvl8pPr>
-            <a:lvl9pPr marL="3657600" algn="l" defTabSz="914400" rtl="0" eaLnBrk="1" latinLnBrk="0" hangingPunct="1">
-              <a:defRPr kern="1200">
-                <a:solidFill>
-                  <a:schemeClr val="bg1"/>
-                </a:solidFill>
-                <a:latin typeface="Arial" panose="020B0604020202020204" pitchFamily="34" charset="0"/>
-                <a:ea typeface="MS PGothic" panose="020B0600070205080204" pitchFamily="34" charset="-128"/>
-                <a:cs typeface="+mn-cs"/>
-              </a:defRPr>
-            </a:lvl9pPr>
-          </a:lstStyle>
-          <a:p>
-            <a:r>
-              <a:rPr lang="en-US" sz="1600" dirty="0">
-                <a:solidFill>
-                  <a:srgbClr val="000000"/>
-                </a:solidFill>
-                <a:latin typeface="CMU Sans Serif" panose="02000603000000000000" pitchFamily="2" charset="0"/>
-                <a:ea typeface="CMU Sans Serif" panose="02000603000000000000" pitchFamily="2" charset="0"/>
-                <a:cs typeface="CMU Sans Serif" panose="02000603000000000000" pitchFamily="2" charset="0"/>
-              </a:rPr>
-              <a:t>Group B</a:t>
-            </a:r>
-            <a:endParaRPr lang="de-DE" sz="1600" dirty="0" err="1">
-              <a:solidFill>
-                <a:srgbClr val="000000"/>
-              </a:solidFill>
-              <a:latin typeface="CMU Sans Serif" panose="02000603000000000000" pitchFamily="2" charset="0"/>
-              <a:ea typeface="CMU Sans Serif" panose="02000603000000000000" pitchFamily="2" charset="0"/>
-              <a:cs typeface="CMU Sans Serif" panose="02000603000000000000" pitchFamily="2" charset="0"/>
-            </a:endParaRPr>
-          </a:p>
-        </p:txBody>
-      </p:sp>
-      <p:sp>
-        <p:nvSpPr>
-          <p:cNvPr id="18" name="Textfeld 41">
-            <a:extLst>
-              <a:ext uri="{FF2B5EF4-FFF2-40B4-BE49-F238E27FC236}">
-                <a16:creationId xmlns:a16="http://schemas.microsoft.com/office/drawing/2014/main" id="{AC1FEBE7-D79F-4D64-8241-AF0F3FE7A031}"/>
-              </a:ext>
-            </a:extLst>
-          </p:cNvPr>
-          <p:cNvSpPr txBox="1"/>
-          <p:nvPr/>
-        </p:nvSpPr>
-        <p:spPr>
-          <a:xfrm>
-            <a:off x="5053778" y="2482417"/>
-            <a:ext cx="2169328" cy="369332"/>
-          </a:xfrm>
-          <a:prstGeom prst="rect">
-            <a:avLst/>
-          </a:prstGeom>
-          <a:noFill/>
-        </p:spPr>
-        <p:txBody>
-          <a:bodyPr wrap="square" rtlCol="0">
-            <a:spAutoFit/>
-          </a:bodyPr>
-          <a:lstStyle>
-            <a:defPPr>
-              <a:defRPr lang="en-GB"/>
-            </a:defPPr>
-            <a:lvl1pPr algn="l" defTabSz="449263" rtl="0" eaLnBrk="0" fontAlgn="base" hangingPunct="0">
-              <a:spcBef>
-                <a:spcPct val="0"/>
-              </a:spcBef>
-              <a:spcAft>
-                <a:spcPct val="0"/>
-              </a:spcAft>
-              <a:defRPr kern="1200">
-                <a:solidFill>
-                  <a:schemeClr val="bg1"/>
-                </a:solidFill>
-                <a:latin typeface="Arial" panose="020B0604020202020204" pitchFamily="34" charset="0"/>
-                <a:ea typeface="MS PGothic" panose="020B0600070205080204" pitchFamily="34" charset="-128"/>
-                <a:cs typeface="+mn-cs"/>
-              </a:defRPr>
-            </a:lvl1pPr>
-            <a:lvl2pPr marL="742950" indent="-285750" algn="l" defTabSz="449263" rtl="0" eaLnBrk="0" fontAlgn="base" hangingPunct="0">
-              <a:spcBef>
-                <a:spcPct val="0"/>
-              </a:spcBef>
-              <a:spcAft>
-                <a:spcPct val="0"/>
-              </a:spcAft>
-              <a:defRPr kern="1200">
-                <a:solidFill>
-                  <a:schemeClr val="bg1"/>
-                </a:solidFill>
-                <a:latin typeface="Arial" panose="020B0604020202020204" pitchFamily="34" charset="0"/>
-                <a:ea typeface="MS PGothic" panose="020B0600070205080204" pitchFamily="34" charset="-128"/>
-                <a:cs typeface="+mn-cs"/>
-              </a:defRPr>
-            </a:lvl2pPr>
-            <a:lvl3pPr marL="1143000" indent="-228600" algn="l" defTabSz="449263" rtl="0" eaLnBrk="0" fontAlgn="base" hangingPunct="0">
-              <a:spcBef>
-                <a:spcPct val="0"/>
-              </a:spcBef>
-              <a:spcAft>
-                <a:spcPct val="0"/>
-              </a:spcAft>
-              <a:defRPr kern="1200">
-                <a:solidFill>
-                  <a:schemeClr val="bg1"/>
-                </a:solidFill>
-                <a:latin typeface="Arial" panose="020B0604020202020204" pitchFamily="34" charset="0"/>
-                <a:ea typeface="MS PGothic" panose="020B0600070205080204" pitchFamily="34" charset="-128"/>
-                <a:cs typeface="+mn-cs"/>
-              </a:defRPr>
-            </a:lvl3pPr>
-            <a:lvl4pPr marL="1600200" indent="-228600" algn="l" defTabSz="449263" rtl="0" eaLnBrk="0" fontAlgn="base" hangingPunct="0">
-              <a:spcBef>
-                <a:spcPct val="0"/>
-              </a:spcBef>
-              <a:spcAft>
-                <a:spcPct val="0"/>
-              </a:spcAft>
-              <a:defRPr kern="1200">
-                <a:solidFill>
-                  <a:schemeClr val="bg1"/>
-                </a:solidFill>
-                <a:latin typeface="Arial" panose="020B0604020202020204" pitchFamily="34" charset="0"/>
-                <a:ea typeface="MS PGothic" panose="020B0600070205080204" pitchFamily="34" charset="-128"/>
-                <a:cs typeface="+mn-cs"/>
-              </a:defRPr>
-            </a:lvl4pPr>
-            <a:lvl5pPr marL="2057400" indent="-228600" algn="l" defTabSz="449263" rtl="0" eaLnBrk="0" fontAlgn="base" hangingPunct="0">
-              <a:spcBef>
-                <a:spcPct val="0"/>
-              </a:spcBef>
-              <a:spcAft>
-                <a:spcPct val="0"/>
-              </a:spcAft>
-              <a:defRPr kern="1200">
-                <a:solidFill>
-                  <a:schemeClr val="bg1"/>
-                </a:solidFill>
-                <a:latin typeface="Arial" panose="020B0604020202020204" pitchFamily="34" charset="0"/>
-                <a:ea typeface="MS PGothic" panose="020B0600070205080204" pitchFamily="34" charset="-128"/>
-                <a:cs typeface="+mn-cs"/>
-              </a:defRPr>
-            </a:lvl5pPr>
-            <a:lvl6pPr marL="2286000" algn="l" defTabSz="914400" rtl="0" eaLnBrk="1" latinLnBrk="0" hangingPunct="1">
-              <a:defRPr kern="1200">
-                <a:solidFill>
-                  <a:schemeClr val="bg1"/>
-                </a:solidFill>
-                <a:latin typeface="Arial" panose="020B0604020202020204" pitchFamily="34" charset="0"/>
-                <a:ea typeface="MS PGothic" panose="020B0600070205080204" pitchFamily="34" charset="-128"/>
-                <a:cs typeface="+mn-cs"/>
-              </a:defRPr>
-            </a:lvl6pPr>
-            <a:lvl7pPr marL="2743200" algn="l" defTabSz="914400" rtl="0" eaLnBrk="1" latinLnBrk="0" hangingPunct="1">
-              <a:defRPr kern="1200">
-                <a:solidFill>
-                  <a:schemeClr val="bg1"/>
-                </a:solidFill>
-                <a:latin typeface="Arial" panose="020B0604020202020204" pitchFamily="34" charset="0"/>
-                <a:ea typeface="MS PGothic" panose="020B0600070205080204" pitchFamily="34" charset="-128"/>
-                <a:cs typeface="+mn-cs"/>
-              </a:defRPr>
-            </a:lvl7pPr>
-            <a:lvl8pPr marL="3200400" algn="l" defTabSz="914400" rtl="0" eaLnBrk="1" latinLnBrk="0" hangingPunct="1">
-              <a:defRPr kern="1200">
-                <a:solidFill>
-                  <a:schemeClr val="bg1"/>
-                </a:solidFill>
-                <a:latin typeface="Arial" panose="020B0604020202020204" pitchFamily="34" charset="0"/>
-                <a:ea typeface="MS PGothic" panose="020B0600070205080204" pitchFamily="34" charset="-128"/>
-                <a:cs typeface="+mn-cs"/>
-              </a:defRPr>
-            </a:lvl8pPr>
-            <a:lvl9pPr marL="3657600" algn="l" defTabSz="914400" rtl="0" eaLnBrk="1" latinLnBrk="0" hangingPunct="1">
-              <a:defRPr kern="1200">
-                <a:solidFill>
-                  <a:schemeClr val="bg1"/>
-                </a:solidFill>
-                <a:latin typeface="Arial" panose="020B0604020202020204" pitchFamily="34" charset="0"/>
-                <a:ea typeface="MS PGothic" panose="020B0600070205080204" pitchFamily="34" charset="-128"/>
-                <a:cs typeface="+mn-cs"/>
-              </a:defRPr>
-            </a:lvl9pPr>
-          </a:lstStyle>
-          <a:p>
-            <a:r>
-              <a:rPr lang="en-US" b="1" dirty="0">
-                <a:solidFill>
-                  <a:srgbClr val="000000"/>
-                </a:solidFill>
-                <a:latin typeface="CMU Sans Serif" panose="02000603000000000000" pitchFamily="2" charset="0"/>
-                <a:ea typeface="CMU Sans Serif" panose="02000603000000000000" pitchFamily="2" charset="0"/>
-                <a:cs typeface="CMU Sans Serif" panose="02000603000000000000" pitchFamily="2" charset="0"/>
-              </a:rPr>
-              <a:t>Experiment Phase</a:t>
-            </a:r>
-            <a:endParaRPr lang="de-DE" b="1" dirty="0" err="1">
-              <a:solidFill>
-                <a:srgbClr val="000000"/>
-              </a:solidFill>
-              <a:latin typeface="CMU Sans Serif" panose="02000603000000000000" pitchFamily="2" charset="0"/>
-              <a:ea typeface="CMU Sans Serif" panose="02000603000000000000" pitchFamily="2" charset="0"/>
-              <a:cs typeface="CMU Sans Serif" panose="02000603000000000000" pitchFamily="2" charset="0"/>
-            </a:endParaRPr>
-          </a:p>
-        </p:txBody>
-      </p:sp>
-      <p:cxnSp>
-        <p:nvCxnSpPr>
-          <p:cNvPr id="19" name="Gerader Verbinder 18">
-            <a:extLst>
-              <a:ext uri="{FF2B5EF4-FFF2-40B4-BE49-F238E27FC236}">
-                <a16:creationId xmlns:a16="http://schemas.microsoft.com/office/drawing/2014/main" id="{9E2AB92E-A747-4861-9181-CBC92BB3526B}"/>
-              </a:ext>
-            </a:extLst>
-          </p:cNvPr>
-          <p:cNvCxnSpPr>
-            <a:cxnSpLocks/>
-          </p:cNvCxnSpPr>
-          <p:nvPr/>
-        </p:nvCxnSpPr>
-        <p:spPr>
-          <a:xfrm>
-            <a:off x="4044000" y="2827766"/>
-            <a:ext cx="4107043" cy="0"/>
-          </a:xfrm>
-          <a:prstGeom prst="line">
-            <a:avLst/>
-          </a:prstGeom>
-          <a:ln/>
-        </p:spPr>
-        <p:style>
-          <a:lnRef idx="1">
-            <a:schemeClr val="dk1"/>
-          </a:lnRef>
-          <a:fillRef idx="0">
-            <a:schemeClr val="dk1"/>
-          </a:fillRef>
-          <a:effectRef idx="0">
-            <a:schemeClr val="dk1"/>
-          </a:effectRef>
-          <a:fontRef idx="minor">
-            <a:schemeClr val="tx1"/>
-          </a:fontRef>
-        </p:style>
-      </p:cxnSp>
-      <p:cxnSp>
-        <p:nvCxnSpPr>
-          <p:cNvPr id="20" name="Gerade Verbindung mit Pfeil 19">
-            <a:extLst>
-              <a:ext uri="{FF2B5EF4-FFF2-40B4-BE49-F238E27FC236}">
-                <a16:creationId xmlns:a16="http://schemas.microsoft.com/office/drawing/2014/main" id="{833830FF-7E27-4081-9A09-55DE7E233A91}"/>
-              </a:ext>
-            </a:extLst>
-          </p:cNvPr>
-          <p:cNvCxnSpPr>
-            <a:cxnSpLocks/>
-            <a:stCxn id="12" idx="0"/>
-          </p:cNvCxnSpPr>
-          <p:nvPr/>
-        </p:nvCxnSpPr>
-        <p:spPr>
-          <a:xfrm flipH="1" flipV="1">
-            <a:off x="5068478" y="2827766"/>
-            <a:ext cx="0" cy="157424"/>
-          </a:xfrm>
-          <a:prstGeom prst="straightConnector1">
-            <a:avLst/>
-          </a:prstGeom>
-          <a:ln w="9525">
-            <a:headEnd type="arrow" w="sm" len="sm"/>
-            <a:tailEnd type="none" w="med" len="med"/>
-          </a:ln>
-        </p:spPr>
-        <p:style>
-          <a:lnRef idx="1">
-            <a:schemeClr val="dk1"/>
-          </a:lnRef>
-          <a:fillRef idx="0">
-            <a:schemeClr val="dk1"/>
-          </a:fillRef>
-          <a:effectRef idx="0">
-            <a:schemeClr val="dk1"/>
-          </a:effectRef>
-          <a:fontRef idx="minor">
-            <a:schemeClr val="tx1"/>
-          </a:fontRef>
-        </p:style>
-      </p:cxnSp>
-      <p:cxnSp>
-        <p:nvCxnSpPr>
-          <p:cNvPr id="21" name="Gerade Verbindung mit Pfeil 20">
-            <a:extLst>
-              <a:ext uri="{FF2B5EF4-FFF2-40B4-BE49-F238E27FC236}">
-                <a16:creationId xmlns:a16="http://schemas.microsoft.com/office/drawing/2014/main" id="{A8A11A55-AC39-4482-83EC-E6357165ED94}"/>
-              </a:ext>
-            </a:extLst>
-          </p:cNvPr>
-          <p:cNvCxnSpPr>
-            <a:cxnSpLocks/>
-            <a:stCxn id="13" idx="0"/>
-            <a:endCxn id="12" idx="2"/>
-          </p:cNvCxnSpPr>
-          <p:nvPr/>
-        </p:nvCxnSpPr>
-        <p:spPr>
-          <a:xfrm flipH="1" flipV="1">
-            <a:off x="5074816" y="3500153"/>
-            <a:ext cx="2562" cy="291265"/>
-          </a:xfrm>
-          <a:prstGeom prst="straightConnector1">
-            <a:avLst/>
-          </a:prstGeom>
-          <a:ln w="9525">
-            <a:headEnd type="arrow" w="sm" len="sm"/>
-            <a:tailEnd type="none" w="med" len="med"/>
-          </a:ln>
-        </p:spPr>
-        <p:style>
-          <a:lnRef idx="1">
-            <a:schemeClr val="dk1"/>
-          </a:lnRef>
-          <a:fillRef idx="0">
-            <a:schemeClr val="dk1"/>
-          </a:fillRef>
-          <a:effectRef idx="0">
-            <a:schemeClr val="dk1"/>
-          </a:effectRef>
-          <a:fontRef idx="minor">
-            <a:schemeClr val="tx1"/>
-          </a:fontRef>
-        </p:style>
-      </p:cxnSp>
-      <p:cxnSp>
-        <p:nvCxnSpPr>
-          <p:cNvPr id="22" name="Gerade Verbindung mit Pfeil 21">
-            <a:extLst>
-              <a:ext uri="{FF2B5EF4-FFF2-40B4-BE49-F238E27FC236}">
-                <a16:creationId xmlns:a16="http://schemas.microsoft.com/office/drawing/2014/main" id="{9384E5BC-F278-42B7-AD3F-718AAF364A6C}"/>
-              </a:ext>
-            </a:extLst>
-          </p:cNvPr>
-          <p:cNvCxnSpPr>
-            <a:cxnSpLocks/>
-            <a:stCxn id="5" idx="2"/>
-            <a:endCxn id="13" idx="2"/>
-          </p:cNvCxnSpPr>
-          <p:nvPr/>
-        </p:nvCxnSpPr>
-        <p:spPr>
-          <a:xfrm flipH="1" flipV="1">
-            <a:off x="5077378" y="4306381"/>
-            <a:ext cx="1018622" cy="255121"/>
-          </a:xfrm>
-          <a:prstGeom prst="straightConnector1">
-            <a:avLst/>
-          </a:prstGeom>
-          <a:ln w="9525">
-            <a:headEnd type="arrow" w="sm" len="sm"/>
-            <a:tailEnd type="none" w="med" len="med"/>
-          </a:ln>
-        </p:spPr>
-        <p:style>
-          <a:lnRef idx="1">
-            <a:schemeClr val="dk1"/>
-          </a:lnRef>
-          <a:fillRef idx="0">
-            <a:schemeClr val="dk1"/>
-          </a:fillRef>
-          <a:effectRef idx="0">
-            <a:schemeClr val="dk1"/>
-          </a:effectRef>
-          <a:fontRef idx="minor">
-            <a:schemeClr val="tx1"/>
-          </a:fontRef>
-        </p:style>
-      </p:cxnSp>
-      <p:cxnSp>
-        <p:nvCxnSpPr>
-          <p:cNvPr id="23" name="Gerade Verbindung mit Pfeil 22">
-            <a:extLst>
-              <a:ext uri="{FF2B5EF4-FFF2-40B4-BE49-F238E27FC236}">
-                <a16:creationId xmlns:a16="http://schemas.microsoft.com/office/drawing/2014/main" id="{B3997165-DD61-4719-B18A-40C788162A79}"/>
-              </a:ext>
-            </a:extLst>
-          </p:cNvPr>
-          <p:cNvCxnSpPr>
-            <a:cxnSpLocks/>
-            <a:endCxn id="14" idx="0"/>
-          </p:cNvCxnSpPr>
-          <p:nvPr/>
-        </p:nvCxnSpPr>
-        <p:spPr>
-          <a:xfrm>
-            <a:off x="7123522" y="2818943"/>
-            <a:ext cx="0" cy="168804"/>
-          </a:xfrm>
-          <a:prstGeom prst="straightConnector1">
-            <a:avLst/>
-          </a:prstGeom>
-          <a:ln w="9525">
-            <a:headEnd type="none" w="med" len="sm"/>
-            <a:tailEnd type="arrow" w="sm" len="sm"/>
-          </a:ln>
-        </p:spPr>
-        <p:style>
-          <a:lnRef idx="1">
-            <a:schemeClr val="dk1"/>
-          </a:lnRef>
-          <a:fillRef idx="0">
-            <a:schemeClr val="dk1"/>
-          </a:fillRef>
-          <a:effectRef idx="0">
-            <a:schemeClr val="dk1"/>
-          </a:effectRef>
-          <a:fontRef idx="minor">
-            <a:schemeClr val="tx1"/>
-          </a:fontRef>
-        </p:style>
-      </p:cxnSp>
-      <p:cxnSp>
-        <p:nvCxnSpPr>
-          <p:cNvPr id="24" name="Gerade Verbindung mit Pfeil 23">
-            <a:extLst>
-              <a:ext uri="{FF2B5EF4-FFF2-40B4-BE49-F238E27FC236}">
-                <a16:creationId xmlns:a16="http://schemas.microsoft.com/office/drawing/2014/main" id="{A96A2430-5A51-4446-8132-0A579BD1E8A9}"/>
-              </a:ext>
-            </a:extLst>
-          </p:cNvPr>
-          <p:cNvCxnSpPr>
-            <a:cxnSpLocks/>
-            <a:stCxn id="14" idx="2"/>
-            <a:endCxn id="15" idx="0"/>
-          </p:cNvCxnSpPr>
-          <p:nvPr/>
-        </p:nvCxnSpPr>
-        <p:spPr>
-          <a:xfrm>
-            <a:off x="7123522" y="3502710"/>
-            <a:ext cx="0" cy="286582"/>
-          </a:xfrm>
-          <a:prstGeom prst="straightConnector1">
-            <a:avLst/>
-          </a:prstGeom>
-          <a:ln w="9525">
-            <a:headEnd type="none" w="med" len="sm"/>
-            <a:tailEnd type="arrow" w="sm" len="sm"/>
-          </a:ln>
-        </p:spPr>
-        <p:style>
-          <a:lnRef idx="1">
-            <a:schemeClr val="dk1"/>
-          </a:lnRef>
-          <a:fillRef idx="0">
-            <a:schemeClr val="dk1"/>
-          </a:fillRef>
-          <a:effectRef idx="0">
-            <a:schemeClr val="dk1"/>
-          </a:effectRef>
-          <a:fontRef idx="minor">
-            <a:schemeClr val="tx1"/>
-          </a:fontRef>
-        </p:style>
-      </p:cxnSp>
-      <p:cxnSp>
-        <p:nvCxnSpPr>
-          <p:cNvPr id="25" name="Gerade Verbindung mit Pfeil 24">
-            <a:extLst>
-              <a:ext uri="{FF2B5EF4-FFF2-40B4-BE49-F238E27FC236}">
-                <a16:creationId xmlns:a16="http://schemas.microsoft.com/office/drawing/2014/main" id="{4F41BCAA-DB32-4F4E-B3C2-1CBB336BD698}"/>
-              </a:ext>
-            </a:extLst>
-          </p:cNvPr>
-          <p:cNvCxnSpPr>
-            <a:cxnSpLocks/>
-            <a:stCxn id="15" idx="2"/>
-            <a:endCxn id="5" idx="2"/>
-          </p:cNvCxnSpPr>
-          <p:nvPr/>
-        </p:nvCxnSpPr>
-        <p:spPr>
-          <a:xfrm flipH="1">
-            <a:off x="6096000" y="4304255"/>
-            <a:ext cx="1027522" cy="257247"/>
-          </a:xfrm>
-          <a:prstGeom prst="straightConnector1">
-            <a:avLst/>
-          </a:prstGeom>
-          <a:ln w="9525">
-            <a:headEnd type="none" w="med" len="sm"/>
-            <a:tailEnd type="arrow" w="sm" len="sm"/>
-          </a:ln>
-        </p:spPr>
-        <p:style>
-          <a:lnRef idx="1">
-            <a:schemeClr val="dk1"/>
-          </a:lnRef>
-          <a:fillRef idx="0">
-            <a:schemeClr val="dk1"/>
-          </a:fillRef>
-          <a:effectRef idx="0">
-            <a:schemeClr val="dk1"/>
-          </a:effectRef>
-          <a:fontRef idx="minor">
-            <a:schemeClr val="tx1"/>
-          </a:fontRef>
-        </p:style>
-      </p:cxnSp>
-      <p:sp>
-        <p:nvSpPr>
-          <p:cNvPr id="27" name="Rechteck 26">
-            <a:extLst>
-              <a:ext uri="{FF2B5EF4-FFF2-40B4-BE49-F238E27FC236}">
-                <a16:creationId xmlns:a16="http://schemas.microsoft.com/office/drawing/2014/main" id="{D30CCA91-EFBB-464A-98B5-D13DB6B1DE39}"/>
-              </a:ext>
-            </a:extLst>
-          </p:cNvPr>
-          <p:cNvSpPr/>
-          <p:nvPr/>
-        </p:nvSpPr>
-        <p:spPr>
-          <a:xfrm>
-            <a:off x="5475200" y="5547063"/>
-            <a:ext cx="1241598" cy="514963"/>
-          </a:xfrm>
-          <a:prstGeom prst="rect">
-            <a:avLst/>
-          </a:prstGeom>
-          <a:solidFill>
-            <a:schemeClr val="bg1"/>
-          </a:solidFill>
-          <a:ln w="12700">
-            <a:solidFill>
-              <a:schemeClr val="tx1"/>
-            </a:solidFill>
-          </a:ln>
-        </p:spPr>
-        <p:style>
-          <a:lnRef idx="2">
-            <a:schemeClr val="accent6"/>
-          </a:lnRef>
-          <a:fillRef idx="1">
-            <a:schemeClr val="lt1"/>
-          </a:fillRef>
-          <a:effectRef idx="0">
-            <a:schemeClr val="accent6"/>
-          </a:effectRef>
-          <a:fontRef idx="minor">
-            <a:schemeClr val="dk1"/>
-          </a:fontRef>
-        </p:style>
-        <p:txBody>
-          <a:bodyPr rtlCol="0" anchor="ctr"/>
-          <a:lstStyle>
-            <a:defPPr>
-              <a:defRPr lang="en-GB"/>
-            </a:defPPr>
-            <a:lvl1pPr algn="l" defTabSz="449263" rtl="0" eaLnBrk="0" fontAlgn="base" hangingPunct="0">
-              <a:spcBef>
-                <a:spcPct val="0"/>
-              </a:spcBef>
-              <a:spcAft>
-                <a:spcPct val="0"/>
-              </a:spcAft>
-              <a:defRPr kern="1200">
-                <a:solidFill>
-                  <a:schemeClr val="dk1"/>
-                </a:solidFill>
-                <a:latin typeface="+mn-lt"/>
-                <a:ea typeface="+mn-ea"/>
-                <a:cs typeface="+mn-cs"/>
-              </a:defRPr>
-            </a:lvl1pPr>
-            <a:lvl2pPr marL="742950" indent="-285750" algn="l" defTabSz="449263" rtl="0" eaLnBrk="0" fontAlgn="base" hangingPunct="0">
-              <a:spcBef>
-                <a:spcPct val="0"/>
-              </a:spcBef>
-              <a:spcAft>
-                <a:spcPct val="0"/>
-              </a:spcAft>
-              <a:defRPr kern="1200">
-                <a:solidFill>
-                  <a:schemeClr val="dk1"/>
-                </a:solidFill>
-                <a:latin typeface="+mn-lt"/>
-                <a:ea typeface="+mn-ea"/>
-                <a:cs typeface="+mn-cs"/>
-              </a:defRPr>
-            </a:lvl2pPr>
-            <a:lvl3pPr marL="1143000" indent="-228600" algn="l" defTabSz="449263" rtl="0" eaLnBrk="0" fontAlgn="base" hangingPunct="0">
-              <a:spcBef>
-                <a:spcPct val="0"/>
-              </a:spcBef>
-              <a:spcAft>
-                <a:spcPct val="0"/>
-              </a:spcAft>
-              <a:defRPr kern="1200">
-                <a:solidFill>
-                  <a:schemeClr val="dk1"/>
-                </a:solidFill>
-                <a:latin typeface="+mn-lt"/>
-                <a:ea typeface="+mn-ea"/>
-                <a:cs typeface="+mn-cs"/>
-              </a:defRPr>
-            </a:lvl3pPr>
-            <a:lvl4pPr marL="1600200" indent="-228600" algn="l" defTabSz="449263" rtl="0" eaLnBrk="0" fontAlgn="base" hangingPunct="0">
-              <a:spcBef>
-                <a:spcPct val="0"/>
-              </a:spcBef>
-              <a:spcAft>
-                <a:spcPct val="0"/>
-              </a:spcAft>
-              <a:defRPr kern="1200">
-                <a:solidFill>
-                  <a:schemeClr val="dk1"/>
-                </a:solidFill>
-                <a:latin typeface="+mn-lt"/>
-                <a:ea typeface="+mn-ea"/>
-                <a:cs typeface="+mn-cs"/>
-              </a:defRPr>
-            </a:lvl4pPr>
-            <a:lvl5pPr marL="2057400" indent="-228600" algn="l" defTabSz="449263" rtl="0" eaLnBrk="0" fontAlgn="base" hangingPunct="0">
-              <a:spcBef>
-                <a:spcPct val="0"/>
-              </a:spcBef>
-              <a:spcAft>
-                <a:spcPct val="0"/>
-              </a:spcAft>
-              <a:defRPr kern="1200">
-                <a:solidFill>
-                  <a:schemeClr val="dk1"/>
-                </a:solidFill>
-                <a:latin typeface="+mn-lt"/>
-                <a:ea typeface="+mn-ea"/>
-                <a:cs typeface="+mn-cs"/>
-              </a:defRPr>
-            </a:lvl5pPr>
-            <a:lvl6pPr marL="2286000" algn="l" defTabSz="914400" rtl="0" eaLnBrk="1" latinLnBrk="0" hangingPunct="1">
-              <a:defRPr kern="1200">
-                <a:solidFill>
-                  <a:schemeClr val="dk1"/>
-                </a:solidFill>
-                <a:latin typeface="+mn-lt"/>
-                <a:ea typeface="+mn-ea"/>
-                <a:cs typeface="+mn-cs"/>
-              </a:defRPr>
-            </a:lvl6pPr>
-            <a:lvl7pPr marL="2743200" algn="l" defTabSz="914400" rtl="0" eaLnBrk="1" latinLnBrk="0" hangingPunct="1">
-              <a:defRPr kern="1200">
-                <a:solidFill>
-                  <a:schemeClr val="dk1"/>
-                </a:solidFill>
-                <a:latin typeface="+mn-lt"/>
-                <a:ea typeface="+mn-ea"/>
-                <a:cs typeface="+mn-cs"/>
-              </a:defRPr>
-            </a:lvl7pPr>
-            <a:lvl8pPr marL="3200400" algn="l" defTabSz="914400" rtl="0" eaLnBrk="1" latinLnBrk="0" hangingPunct="1">
-              <a:defRPr kern="1200">
-                <a:solidFill>
-                  <a:schemeClr val="dk1"/>
-                </a:solidFill>
-                <a:latin typeface="+mn-lt"/>
-                <a:ea typeface="+mn-ea"/>
-                <a:cs typeface="+mn-cs"/>
-              </a:defRPr>
-            </a:lvl8pPr>
-            <a:lvl9pPr marL="3657600" algn="l" defTabSz="914400" rtl="0" eaLnBrk="1" latinLnBrk="0" hangingPunct="1">
-              <a:defRPr kern="1200">
-                <a:solidFill>
-                  <a:schemeClr val="dk1"/>
-                </a:solidFill>
-                <a:latin typeface="+mn-lt"/>
-                <a:ea typeface="+mn-ea"/>
-                <a:cs typeface="+mn-cs"/>
-              </a:defRPr>
-            </a:lvl9pPr>
-          </a:lstStyle>
-          <a:p>
-            <a:pPr algn="ctr"/>
-            <a:r>
-              <a:rPr lang="en-US" dirty="0">
-                <a:latin typeface="CMU Sans Serif" panose="02000603000000000000" pitchFamily="2" charset="0"/>
-                <a:ea typeface="CMU Sans Serif" panose="02000603000000000000" pitchFamily="2" charset="0"/>
-                <a:cs typeface="CMU Sans Serif" panose="02000603000000000000" pitchFamily="2" charset="0"/>
-              </a:rPr>
-              <a:t>Interview</a:t>
-            </a:r>
-            <a:endParaRPr lang="de-DE" dirty="0">
-              <a:latin typeface="CMU Sans Serif" panose="02000603000000000000" pitchFamily="2" charset="0"/>
-              <a:ea typeface="CMU Sans Serif" panose="02000603000000000000" pitchFamily="2" charset="0"/>
-              <a:cs typeface="CMU Sans Serif" panose="02000603000000000000" pitchFamily="2" charset="0"/>
-            </a:endParaRPr>
-          </a:p>
-        </p:txBody>
-      </p:sp>
-      <p:cxnSp>
-        <p:nvCxnSpPr>
-          <p:cNvPr id="28" name="Gerade Verbindung mit Pfeil 27">
-            <a:extLst>
-              <a:ext uri="{FF2B5EF4-FFF2-40B4-BE49-F238E27FC236}">
-                <a16:creationId xmlns:a16="http://schemas.microsoft.com/office/drawing/2014/main" id="{A1F2EB85-4F66-46D3-9E67-4C436F18019F}"/>
-              </a:ext>
-            </a:extLst>
-          </p:cNvPr>
-          <p:cNvCxnSpPr>
-            <a:cxnSpLocks/>
-            <a:stCxn id="5" idx="2"/>
-          </p:cNvCxnSpPr>
-          <p:nvPr/>
-        </p:nvCxnSpPr>
-        <p:spPr>
-          <a:xfrm flipH="1">
-            <a:off x="6095999" y="4561502"/>
-            <a:ext cx="1" cy="237653"/>
-          </a:xfrm>
-          <a:prstGeom prst="straightConnector1">
-            <a:avLst/>
-          </a:prstGeom>
-          <a:ln w="28575">
-            <a:tailEnd type="triangle"/>
-          </a:ln>
-        </p:spPr>
-        <p:style>
-          <a:lnRef idx="1">
-            <a:schemeClr val="dk1"/>
-          </a:lnRef>
-          <a:fillRef idx="0">
-            <a:schemeClr val="dk1"/>
-          </a:fillRef>
-          <a:effectRef idx="0">
-            <a:schemeClr val="dk1"/>
-          </a:effectRef>
-          <a:fontRef idx="minor">
-            <a:schemeClr val="tx1"/>
-          </a:fontRef>
-        </p:style>
-      </p:cxnSp>
-      <p:sp>
-        <p:nvSpPr>
-          <p:cNvPr id="29" name="Rechteck 28">
-            <a:extLst>
-              <a:ext uri="{FF2B5EF4-FFF2-40B4-BE49-F238E27FC236}">
-                <a16:creationId xmlns:a16="http://schemas.microsoft.com/office/drawing/2014/main" id="{7FCD0DB9-FBD7-41AD-A02F-60F2C4CD9855}"/>
-              </a:ext>
-            </a:extLst>
-          </p:cNvPr>
-          <p:cNvSpPr/>
-          <p:nvPr/>
-        </p:nvSpPr>
-        <p:spPr>
-          <a:xfrm>
-            <a:off x="5475200" y="4806032"/>
-            <a:ext cx="1241598" cy="514963"/>
-          </a:xfrm>
-          <a:prstGeom prst="rect">
-            <a:avLst/>
-          </a:prstGeom>
-          <a:solidFill>
-            <a:schemeClr val="bg1"/>
-          </a:solidFill>
-          <a:ln w="12700">
-            <a:solidFill>
-              <a:schemeClr val="tx1"/>
-            </a:solidFill>
-          </a:ln>
-        </p:spPr>
-        <p:style>
-          <a:lnRef idx="2">
-            <a:schemeClr val="accent6"/>
-          </a:lnRef>
-          <a:fillRef idx="1">
-            <a:schemeClr val="lt1"/>
-          </a:fillRef>
-          <a:effectRef idx="0">
-            <a:schemeClr val="accent6"/>
-          </a:effectRef>
-          <a:fontRef idx="minor">
-            <a:schemeClr val="dk1"/>
-          </a:fontRef>
-        </p:style>
-        <p:txBody>
-          <a:bodyPr rtlCol="0" anchor="ctr"/>
-          <a:lstStyle>
-            <a:defPPr>
-              <a:defRPr lang="en-GB"/>
-            </a:defPPr>
-            <a:lvl1pPr algn="l" defTabSz="449263" rtl="0" eaLnBrk="0" fontAlgn="base" hangingPunct="0">
-              <a:spcBef>
-                <a:spcPct val="0"/>
-              </a:spcBef>
-              <a:spcAft>
-                <a:spcPct val="0"/>
-              </a:spcAft>
-              <a:defRPr kern="1200">
-                <a:solidFill>
-                  <a:schemeClr val="dk1"/>
-                </a:solidFill>
-                <a:latin typeface="+mn-lt"/>
-                <a:ea typeface="+mn-ea"/>
-                <a:cs typeface="+mn-cs"/>
-              </a:defRPr>
-            </a:lvl1pPr>
-            <a:lvl2pPr marL="742950" indent="-285750" algn="l" defTabSz="449263" rtl="0" eaLnBrk="0" fontAlgn="base" hangingPunct="0">
-              <a:spcBef>
-                <a:spcPct val="0"/>
-              </a:spcBef>
-              <a:spcAft>
-                <a:spcPct val="0"/>
-              </a:spcAft>
-              <a:defRPr kern="1200">
-                <a:solidFill>
-                  <a:schemeClr val="dk1"/>
-                </a:solidFill>
-                <a:latin typeface="+mn-lt"/>
-                <a:ea typeface="+mn-ea"/>
-                <a:cs typeface="+mn-cs"/>
-              </a:defRPr>
-            </a:lvl2pPr>
-            <a:lvl3pPr marL="1143000" indent="-228600" algn="l" defTabSz="449263" rtl="0" eaLnBrk="0" fontAlgn="base" hangingPunct="0">
-              <a:spcBef>
-                <a:spcPct val="0"/>
-              </a:spcBef>
-              <a:spcAft>
-                <a:spcPct val="0"/>
-              </a:spcAft>
-              <a:defRPr kern="1200">
-                <a:solidFill>
-                  <a:schemeClr val="dk1"/>
-                </a:solidFill>
-                <a:latin typeface="+mn-lt"/>
-                <a:ea typeface="+mn-ea"/>
-                <a:cs typeface="+mn-cs"/>
-              </a:defRPr>
-            </a:lvl3pPr>
-            <a:lvl4pPr marL="1600200" indent="-228600" algn="l" defTabSz="449263" rtl="0" eaLnBrk="0" fontAlgn="base" hangingPunct="0">
-              <a:spcBef>
-                <a:spcPct val="0"/>
-              </a:spcBef>
-              <a:spcAft>
-                <a:spcPct val="0"/>
-              </a:spcAft>
-              <a:defRPr kern="1200">
-                <a:solidFill>
-                  <a:schemeClr val="dk1"/>
-                </a:solidFill>
-                <a:latin typeface="+mn-lt"/>
-                <a:ea typeface="+mn-ea"/>
-                <a:cs typeface="+mn-cs"/>
-              </a:defRPr>
-            </a:lvl4pPr>
-            <a:lvl5pPr marL="2057400" indent="-228600" algn="l" defTabSz="449263" rtl="0" eaLnBrk="0" fontAlgn="base" hangingPunct="0">
-              <a:spcBef>
-                <a:spcPct val="0"/>
-              </a:spcBef>
-              <a:spcAft>
-                <a:spcPct val="0"/>
-              </a:spcAft>
-              <a:defRPr kern="1200">
-                <a:solidFill>
-                  <a:schemeClr val="dk1"/>
-                </a:solidFill>
-                <a:latin typeface="+mn-lt"/>
-                <a:ea typeface="+mn-ea"/>
-                <a:cs typeface="+mn-cs"/>
-              </a:defRPr>
-            </a:lvl5pPr>
-            <a:lvl6pPr marL="2286000" algn="l" defTabSz="914400" rtl="0" eaLnBrk="1" latinLnBrk="0" hangingPunct="1">
-              <a:defRPr kern="1200">
-                <a:solidFill>
-                  <a:schemeClr val="dk1"/>
-                </a:solidFill>
-                <a:latin typeface="+mn-lt"/>
-                <a:ea typeface="+mn-ea"/>
-                <a:cs typeface="+mn-cs"/>
-              </a:defRPr>
-            </a:lvl6pPr>
-            <a:lvl7pPr marL="2743200" algn="l" defTabSz="914400" rtl="0" eaLnBrk="1" latinLnBrk="0" hangingPunct="1">
-              <a:defRPr kern="1200">
-                <a:solidFill>
-                  <a:schemeClr val="dk1"/>
-                </a:solidFill>
-                <a:latin typeface="+mn-lt"/>
-                <a:ea typeface="+mn-ea"/>
-                <a:cs typeface="+mn-cs"/>
-              </a:defRPr>
-            </a:lvl7pPr>
-            <a:lvl8pPr marL="3200400" algn="l" defTabSz="914400" rtl="0" eaLnBrk="1" latinLnBrk="0" hangingPunct="1">
-              <a:defRPr kern="1200">
-                <a:solidFill>
-                  <a:schemeClr val="dk1"/>
-                </a:solidFill>
-                <a:latin typeface="+mn-lt"/>
-                <a:ea typeface="+mn-ea"/>
-                <a:cs typeface="+mn-cs"/>
-              </a:defRPr>
-            </a:lvl8pPr>
-            <a:lvl9pPr marL="3657600" algn="l" defTabSz="914400" rtl="0" eaLnBrk="1" latinLnBrk="0" hangingPunct="1">
-              <a:defRPr kern="1200">
-                <a:solidFill>
-                  <a:schemeClr val="dk1"/>
-                </a:solidFill>
-                <a:latin typeface="+mn-lt"/>
-                <a:ea typeface="+mn-ea"/>
-                <a:cs typeface="+mn-cs"/>
-              </a:defRPr>
-            </a:lvl9pPr>
-          </a:lstStyle>
-          <a:p>
-            <a:pPr algn="ctr"/>
-            <a:r>
-              <a:rPr lang="en-US" dirty="0">
-                <a:latin typeface="CMU Sans Serif" panose="02000603000000000000" pitchFamily="2" charset="0"/>
-                <a:ea typeface="CMU Sans Serif" panose="02000603000000000000" pitchFamily="2" charset="0"/>
-                <a:cs typeface="CMU Sans Serif" panose="02000603000000000000" pitchFamily="2" charset="0"/>
-              </a:rPr>
-              <a:t>UEQ</a:t>
-            </a:r>
-            <a:endParaRPr lang="de-DE" dirty="0">
-              <a:latin typeface="CMU Sans Serif" panose="02000603000000000000" pitchFamily="2" charset="0"/>
-              <a:ea typeface="CMU Sans Serif" panose="02000603000000000000" pitchFamily="2" charset="0"/>
-              <a:cs typeface="CMU Sans Serif" panose="02000603000000000000" pitchFamily="2" charset="0"/>
-            </a:endParaRPr>
-          </a:p>
-        </p:txBody>
-      </p:sp>
-      <p:cxnSp>
-        <p:nvCxnSpPr>
-          <p:cNvPr id="30" name="Gerade Verbindung mit Pfeil 29">
-            <a:extLst>
-              <a:ext uri="{FF2B5EF4-FFF2-40B4-BE49-F238E27FC236}">
-                <a16:creationId xmlns:a16="http://schemas.microsoft.com/office/drawing/2014/main" id="{530A67E5-8F2D-4330-93E5-515EE03C40AC}"/>
-              </a:ext>
-            </a:extLst>
-          </p:cNvPr>
-          <p:cNvCxnSpPr>
-            <a:cxnSpLocks/>
-          </p:cNvCxnSpPr>
-          <p:nvPr/>
-        </p:nvCxnSpPr>
-        <p:spPr>
-          <a:xfrm flipH="1">
-            <a:off x="6094681" y="5315893"/>
-            <a:ext cx="1" cy="237653"/>
-          </a:xfrm>
-          <a:prstGeom prst="straightConnector1">
-            <a:avLst/>
-          </a:prstGeom>
-          <a:ln w="28575">
-            <a:tailEnd type="triangle"/>
-          </a:ln>
-        </p:spPr>
-        <p:style>
-          <a:lnRef idx="1">
-            <a:schemeClr val="dk1"/>
-          </a:lnRef>
-          <a:fillRef idx="0">
-            <a:schemeClr val="dk1"/>
-          </a:fillRef>
-          <a:effectRef idx="0">
-            <a:schemeClr val="dk1"/>
-          </a:effectRef>
-          <a:fontRef idx="minor">
-            <a:schemeClr val="tx1"/>
-          </a:fontRef>
-        </p:style>
-      </p:cxnSp>
-    </p:spTree>
-    <p:extLst>
-      <p:ext uri="{BB962C8B-B14F-4D97-AF65-F5344CB8AC3E}">
-        <p14:creationId xmlns:p14="http://schemas.microsoft.com/office/powerpoint/2010/main" val="2560929873"/>
-      </p:ext>
-    </p:extLst>
-  </p:cSld>
-  <p:clrMapOvr>
-    <a:masterClrMapping/>
-  </p:clrMapOvr>
-</p:sld>
-</file>
-
-<file path=ppt/slides/slide2.xml><?xml version="1.0" encoding="utf-8"?>
-<p:sld xmlns:a="http://schemas.openxmlformats.org/drawingml/2006/main" xmlns:r="http://schemas.openxmlformats.org/officeDocument/2006/relationships" xmlns:p="http://schemas.openxmlformats.org/presentationml/2006/main">
-  <p:cSld>
-    <p:spTree>
-      <p:nvGrpSpPr>
-        <p:cNvPr id="1" name=""/>
-        <p:cNvGrpSpPr/>
-        <p:nvPr/>
-      </p:nvGrpSpPr>
-      <p:grpSpPr>
-        <a:xfrm>
-          <a:off x="0" y="0"/>
-          <a:ext cx="0" cy="0"/>
-          <a:chOff x="0" y="0"/>
-          <a:chExt cx="0" cy="0"/>
-        </a:xfrm>
-      </p:grpSpPr>
-      <p:sp>
-        <p:nvSpPr>
-          <p:cNvPr id="4" name="Rechteck 3">
-            <a:extLst>
-              <a:ext uri="{FF2B5EF4-FFF2-40B4-BE49-F238E27FC236}">
                 <a16:creationId xmlns:a16="http://schemas.microsoft.com/office/drawing/2014/main" id="{5976438B-0EAD-402F-ADD9-FAEBC19DFBD7}"/>
               </a:ext>
             </a:extLst>
@@ -6454,7 +3788,7 @@
         <p:spPr>
           <a:xfrm>
             <a:off x="7655127" y="3419828"/>
-            <a:ext cx="416786" cy="0"/>
+            <a:ext cx="1119600" cy="0"/>
           </a:xfrm>
           <a:prstGeom prst="straightConnector1">
             <a:avLst/>
@@ -7326,7 +4660,7 @@
         </p:nvSpPr>
         <p:spPr>
           <a:xfrm>
-            <a:off x="9721925" y="2923577"/>
+            <a:off x="8790290" y="2949395"/>
             <a:ext cx="1721095" cy="1055232"/>
           </a:xfrm>
           <a:prstGeom prst="rect">
@@ -7493,194 +4827,6 @@
               <a:t>Interview</a:t>
             </a:r>
             <a:endParaRPr lang="de-DE" sz="2400" dirty="0">
-              <a:latin typeface="CMU Sans Serif" panose="02000603000000000000" pitchFamily="2" charset="0"/>
-              <a:ea typeface="CMU Sans Serif" panose="02000603000000000000" pitchFamily="2" charset="0"/>
-              <a:cs typeface="CMU Sans Serif" panose="02000603000000000000" pitchFamily="2" charset="0"/>
-            </a:endParaRPr>
-          </a:p>
-        </p:txBody>
-      </p:sp>
-      <p:sp>
-        <p:nvSpPr>
-          <p:cNvPr id="28" name="Rechteck 27">
-            <a:extLst>
-              <a:ext uri="{FF2B5EF4-FFF2-40B4-BE49-F238E27FC236}">
-                <a16:creationId xmlns:a16="http://schemas.microsoft.com/office/drawing/2014/main" id="{33749D54-CCA3-4814-9ECA-70E327BDE69F}"/>
-              </a:ext>
-            </a:extLst>
-          </p:cNvPr>
-          <p:cNvSpPr/>
-          <p:nvPr/>
-        </p:nvSpPr>
-        <p:spPr>
-          <a:xfrm>
-            <a:off x="8052271" y="2934670"/>
-            <a:ext cx="1241598" cy="1044139"/>
-          </a:xfrm>
-          <a:prstGeom prst="rect">
-            <a:avLst/>
-          </a:prstGeom>
-          <a:solidFill>
-            <a:schemeClr val="bg1"/>
-          </a:solidFill>
-          <a:ln w="12700">
-            <a:solidFill>
-              <a:schemeClr val="tx1"/>
-            </a:solidFill>
-          </a:ln>
-        </p:spPr>
-        <p:style>
-          <a:lnRef idx="2">
-            <a:schemeClr val="accent6"/>
-          </a:lnRef>
-          <a:fillRef idx="1">
-            <a:schemeClr val="lt1"/>
-          </a:fillRef>
-          <a:effectRef idx="0">
-            <a:schemeClr val="accent6"/>
-          </a:effectRef>
-          <a:fontRef idx="minor">
-            <a:schemeClr val="dk1"/>
-          </a:fontRef>
-        </p:style>
-        <p:txBody>
-          <a:bodyPr rtlCol="0" anchor="ctr"/>
-          <a:lstStyle>
-            <a:defPPr>
-              <a:defRPr lang="en-GB"/>
-            </a:defPPr>
-            <a:lvl1pPr algn="l" defTabSz="449263" rtl="0" eaLnBrk="0" fontAlgn="base" hangingPunct="0">
-              <a:spcBef>
-                <a:spcPct val="0"/>
-              </a:spcBef>
-              <a:spcAft>
-                <a:spcPct val="0"/>
-              </a:spcAft>
-              <a:defRPr kern="1200">
-                <a:solidFill>
-                  <a:schemeClr val="dk1"/>
-                </a:solidFill>
-                <a:latin typeface="+mn-lt"/>
-                <a:ea typeface="+mn-ea"/>
-                <a:cs typeface="+mn-cs"/>
-              </a:defRPr>
-            </a:lvl1pPr>
-            <a:lvl2pPr marL="742950" indent="-285750" algn="l" defTabSz="449263" rtl="0" eaLnBrk="0" fontAlgn="base" hangingPunct="0">
-              <a:spcBef>
-                <a:spcPct val="0"/>
-              </a:spcBef>
-              <a:spcAft>
-                <a:spcPct val="0"/>
-              </a:spcAft>
-              <a:defRPr kern="1200">
-                <a:solidFill>
-                  <a:schemeClr val="dk1"/>
-                </a:solidFill>
-                <a:latin typeface="+mn-lt"/>
-                <a:ea typeface="+mn-ea"/>
-                <a:cs typeface="+mn-cs"/>
-              </a:defRPr>
-            </a:lvl2pPr>
-            <a:lvl3pPr marL="1143000" indent="-228600" algn="l" defTabSz="449263" rtl="0" eaLnBrk="0" fontAlgn="base" hangingPunct="0">
-              <a:spcBef>
-                <a:spcPct val="0"/>
-              </a:spcBef>
-              <a:spcAft>
-                <a:spcPct val="0"/>
-              </a:spcAft>
-              <a:defRPr kern="1200">
-                <a:solidFill>
-                  <a:schemeClr val="dk1"/>
-                </a:solidFill>
-                <a:latin typeface="+mn-lt"/>
-                <a:ea typeface="+mn-ea"/>
-                <a:cs typeface="+mn-cs"/>
-              </a:defRPr>
-            </a:lvl3pPr>
-            <a:lvl4pPr marL="1600200" indent="-228600" algn="l" defTabSz="449263" rtl="0" eaLnBrk="0" fontAlgn="base" hangingPunct="0">
-              <a:spcBef>
-                <a:spcPct val="0"/>
-              </a:spcBef>
-              <a:spcAft>
-                <a:spcPct val="0"/>
-              </a:spcAft>
-              <a:defRPr kern="1200">
-                <a:solidFill>
-                  <a:schemeClr val="dk1"/>
-                </a:solidFill>
-                <a:latin typeface="+mn-lt"/>
-                <a:ea typeface="+mn-ea"/>
-                <a:cs typeface="+mn-cs"/>
-              </a:defRPr>
-            </a:lvl4pPr>
-            <a:lvl5pPr marL="2057400" indent="-228600" algn="l" defTabSz="449263" rtl="0" eaLnBrk="0" fontAlgn="base" hangingPunct="0">
-              <a:spcBef>
-                <a:spcPct val="0"/>
-              </a:spcBef>
-              <a:spcAft>
-                <a:spcPct val="0"/>
-              </a:spcAft>
-              <a:defRPr kern="1200">
-                <a:solidFill>
-                  <a:schemeClr val="dk1"/>
-                </a:solidFill>
-                <a:latin typeface="+mn-lt"/>
-                <a:ea typeface="+mn-ea"/>
-                <a:cs typeface="+mn-cs"/>
-              </a:defRPr>
-            </a:lvl5pPr>
-            <a:lvl6pPr marL="2286000" algn="l" defTabSz="914400" rtl="0" eaLnBrk="1" latinLnBrk="0" hangingPunct="1">
-              <a:defRPr kern="1200">
-                <a:solidFill>
-                  <a:schemeClr val="dk1"/>
-                </a:solidFill>
-                <a:latin typeface="+mn-lt"/>
-                <a:ea typeface="+mn-ea"/>
-                <a:cs typeface="+mn-cs"/>
-              </a:defRPr>
-            </a:lvl6pPr>
-            <a:lvl7pPr marL="2743200" algn="l" defTabSz="914400" rtl="0" eaLnBrk="1" latinLnBrk="0" hangingPunct="1">
-              <a:defRPr kern="1200">
-                <a:solidFill>
-                  <a:schemeClr val="dk1"/>
-                </a:solidFill>
-                <a:latin typeface="+mn-lt"/>
-                <a:ea typeface="+mn-ea"/>
-                <a:cs typeface="+mn-cs"/>
-              </a:defRPr>
-            </a:lvl7pPr>
-            <a:lvl8pPr marL="3200400" algn="l" defTabSz="914400" rtl="0" eaLnBrk="1" latinLnBrk="0" hangingPunct="1">
-              <a:defRPr kern="1200">
-                <a:solidFill>
-                  <a:schemeClr val="dk1"/>
-                </a:solidFill>
-                <a:latin typeface="+mn-lt"/>
-                <a:ea typeface="+mn-ea"/>
-                <a:cs typeface="+mn-cs"/>
-              </a:defRPr>
-            </a:lvl8pPr>
-            <a:lvl9pPr marL="3657600" algn="l" defTabSz="914400" rtl="0" eaLnBrk="1" latinLnBrk="0" hangingPunct="1">
-              <a:defRPr kern="1200">
-                <a:solidFill>
-                  <a:schemeClr val="dk1"/>
-                </a:solidFill>
-                <a:latin typeface="+mn-lt"/>
-                <a:ea typeface="+mn-ea"/>
-                <a:cs typeface="+mn-cs"/>
-              </a:defRPr>
-            </a:lvl9pPr>
-          </a:lstStyle>
-          <a:p>
-            <a:pPr algn="ctr"/>
-            <a:r>
-              <a:rPr lang="en-US" sz="3200" dirty="0">
-                <a:latin typeface="CMU Sans Serif" panose="02000603000000000000" pitchFamily="2" charset="0"/>
-                <a:ea typeface="CMU Sans Serif" panose="02000603000000000000" pitchFamily="2" charset="0"/>
-                <a:cs typeface="CMU Sans Serif" panose="02000603000000000000" pitchFamily="2" charset="0"/>
-              </a:rPr>
-              <a:t>UEQ</a:t>
-            </a:r>
-            <a:endParaRPr lang="de-DE" sz="3200" dirty="0">
               <a:latin typeface="CMU Sans Serif" panose="02000603000000000000" pitchFamily="2" charset="0"/>
               <a:ea typeface="CMU Sans Serif" panose="02000603000000000000" pitchFamily="2" charset="0"/>
               <a:cs typeface="CMU Sans Serif" panose="02000603000000000000" pitchFamily="2" charset="0"/>
@@ -7791,47 +4937,6 @@
             <a:avLst/>
           </a:prstGeom>
           <a:ln w="28575"/>
-        </p:spPr>
-        <p:style>
-          <a:lnRef idx="1">
-            <a:schemeClr val="dk1"/>
-          </a:lnRef>
-          <a:fillRef idx="0">
-            <a:schemeClr val="dk1"/>
-          </a:fillRef>
-          <a:effectRef idx="0">
-            <a:schemeClr val="dk1"/>
-          </a:effectRef>
-          <a:fontRef idx="minor">
-            <a:schemeClr val="tx1"/>
-          </a:fontRef>
-        </p:style>
-      </p:cxnSp>
-      <p:cxnSp>
-        <p:nvCxnSpPr>
-          <p:cNvPr id="68" name="Gerade Verbindung mit Pfeil 67">
-            <a:extLst>
-              <a:ext uri="{FF2B5EF4-FFF2-40B4-BE49-F238E27FC236}">
-                <a16:creationId xmlns:a16="http://schemas.microsoft.com/office/drawing/2014/main" id="{A7927BD2-ED79-4C2F-B1E1-C43BB08D25D8}"/>
-              </a:ext>
-            </a:extLst>
-          </p:cNvPr>
-          <p:cNvCxnSpPr>
-            <a:cxnSpLocks/>
-          </p:cNvCxnSpPr>
-          <p:nvPr/>
-        </p:nvCxnSpPr>
-        <p:spPr>
-          <a:xfrm>
-            <a:off x="9313511" y="3428999"/>
-            <a:ext cx="416786" cy="0"/>
-          </a:xfrm>
-          <a:prstGeom prst="straightConnector1">
-            <a:avLst/>
-          </a:prstGeom>
-          <a:ln w="28575">
-            <a:tailEnd type="triangle" w="lg" len="lg"/>
-          </a:ln>
         </p:spPr>
         <p:style>
           <a:lnRef idx="1">
